--- a/class_3/python_1_class_3.pptx
+++ b/class_3/python_1_class_3.pptx
@@ -5,23 +5,25 @@
     <p:sldMasterId id="2147483648" r:id="rId1"/>
   </p:sldMasterIdLst>
   <p:notesMasterIdLst>
-    <p:notesMasterId r:id="rId16"/>
+    <p:notesMasterId r:id="rId18"/>
   </p:notesMasterIdLst>
   <p:sldIdLst>
     <p:sldId id="259" r:id="rId2"/>
-    <p:sldId id="320" r:id="rId3"/>
-    <p:sldId id="260" r:id="rId4"/>
-    <p:sldId id="309" r:id="rId5"/>
-    <p:sldId id="312" r:id="rId6"/>
-    <p:sldId id="310" r:id="rId7"/>
-    <p:sldId id="311" r:id="rId8"/>
-    <p:sldId id="264" r:id="rId9"/>
-    <p:sldId id="318" r:id="rId10"/>
-    <p:sldId id="319" r:id="rId11"/>
-    <p:sldId id="313" r:id="rId12"/>
-    <p:sldId id="317" r:id="rId13"/>
-    <p:sldId id="316" r:id="rId14"/>
-    <p:sldId id="321" r:id="rId15"/>
+    <p:sldId id="260" r:id="rId3"/>
+    <p:sldId id="309" r:id="rId4"/>
+    <p:sldId id="310" r:id="rId5"/>
+    <p:sldId id="311" r:id="rId6"/>
+    <p:sldId id="264" r:id="rId7"/>
+    <p:sldId id="320" r:id="rId8"/>
+    <p:sldId id="312" r:id="rId9"/>
+    <p:sldId id="322" r:id="rId10"/>
+    <p:sldId id="318" r:id="rId11"/>
+    <p:sldId id="319" r:id="rId12"/>
+    <p:sldId id="313" r:id="rId13"/>
+    <p:sldId id="317" r:id="rId14"/>
+    <p:sldId id="323" r:id="rId15"/>
+    <p:sldId id="316" r:id="rId16"/>
+    <p:sldId id="321" r:id="rId17"/>
   </p:sldIdLst>
   <p:sldSz cx="9144000" cy="6858000" type="screen4x3"/>
   <p:notesSz cx="6858000" cy="9144000"/>
@@ -137,6 +139,137 @@
     </p:ext>
   </p:extLst>
 </p:presentation>
+</file>
+
+<file path=ppt/changesInfos/changesInfo1.xml><?xml version="1.0" encoding="utf-8"?>
+<pc:chgInfo xmlns:a="http://schemas.openxmlformats.org/drawingml/2006/main" xmlns:r="http://schemas.openxmlformats.org/officeDocument/2006/relationships" xmlns:ac="http://schemas.microsoft.com/office/drawing/2013/main/command" xmlns:pc="http://schemas.microsoft.com/office/powerpoint/2013/main/command">
+  <pc:docChgLst>
+    <pc:chgData name="Carroll, Claudia" userId="5513adb2-3315-47c6-853b-61e74126e783" providerId="ADAL" clId="{EBC259E9-9BFE-DA47-84B6-4A60FBEA897F}"/>
+    <pc:docChg chg="addSld modSld sldOrd">
+      <pc:chgData name="Carroll, Claudia" userId="5513adb2-3315-47c6-853b-61e74126e783" providerId="ADAL" clId="{EBC259E9-9BFE-DA47-84B6-4A60FBEA897F}" dt="2024-09-30T16:44:04.045" v="29" actId="255"/>
+      <pc:docMkLst>
+        <pc:docMk/>
+      </pc:docMkLst>
+      <pc:sldChg chg="ord">
+        <pc:chgData name="Carroll, Claudia" userId="5513adb2-3315-47c6-853b-61e74126e783" providerId="ADAL" clId="{EBC259E9-9BFE-DA47-84B6-4A60FBEA897F}" dt="2024-09-30T16:26:45.341" v="1" actId="20578"/>
+        <pc:sldMkLst>
+          <pc:docMk/>
+          <pc:sldMk cId="1035593031" sldId="260"/>
+        </pc:sldMkLst>
+      </pc:sldChg>
+      <pc:sldChg chg="ord">
+        <pc:chgData name="Carroll, Claudia" userId="5513adb2-3315-47c6-853b-61e74126e783" providerId="ADAL" clId="{EBC259E9-9BFE-DA47-84B6-4A60FBEA897F}" dt="2024-09-30T16:27:42.491" v="7" actId="20578"/>
+        <pc:sldMkLst>
+          <pc:docMk/>
+          <pc:sldMk cId="1667539675" sldId="264"/>
+        </pc:sldMkLst>
+      </pc:sldChg>
+      <pc:sldChg chg="ord">
+        <pc:chgData name="Carroll, Claudia" userId="5513adb2-3315-47c6-853b-61e74126e783" providerId="ADAL" clId="{EBC259E9-9BFE-DA47-84B6-4A60FBEA897F}" dt="2024-09-30T16:26:52.948" v="2" actId="20578"/>
+        <pc:sldMkLst>
+          <pc:docMk/>
+          <pc:sldMk cId="2558038893" sldId="309"/>
+        </pc:sldMkLst>
+      </pc:sldChg>
+      <pc:sldChg chg="ord">
+        <pc:chgData name="Carroll, Claudia" userId="5513adb2-3315-47c6-853b-61e74126e783" providerId="ADAL" clId="{EBC259E9-9BFE-DA47-84B6-4A60FBEA897F}" dt="2024-09-30T16:27:30.223" v="4" actId="20578"/>
+        <pc:sldMkLst>
+          <pc:docMk/>
+          <pc:sldMk cId="3074802265" sldId="310"/>
+        </pc:sldMkLst>
+      </pc:sldChg>
+      <pc:sldChg chg="ord">
+        <pc:chgData name="Carroll, Claudia" userId="5513adb2-3315-47c6-853b-61e74126e783" providerId="ADAL" clId="{EBC259E9-9BFE-DA47-84B6-4A60FBEA897F}" dt="2024-09-30T16:27:38.532" v="6" actId="20578"/>
+        <pc:sldMkLst>
+          <pc:docMk/>
+          <pc:sldMk cId="3315950980" sldId="311"/>
+        </pc:sldMkLst>
+      </pc:sldChg>
+      <pc:sldChg chg="ord">
+        <pc:chgData name="Carroll, Claudia" userId="5513adb2-3315-47c6-853b-61e74126e783" providerId="ADAL" clId="{EBC259E9-9BFE-DA47-84B6-4A60FBEA897F}" dt="2024-09-30T16:27:23.394" v="3" actId="20578"/>
+        <pc:sldMkLst>
+          <pc:docMk/>
+          <pc:sldMk cId="345653242" sldId="312"/>
+        </pc:sldMkLst>
+      </pc:sldChg>
+      <pc:sldChg chg="modSp mod">
+        <pc:chgData name="Carroll, Claudia" userId="5513adb2-3315-47c6-853b-61e74126e783" providerId="ADAL" clId="{EBC259E9-9BFE-DA47-84B6-4A60FBEA897F}" dt="2024-09-30T16:44:04.045" v="29" actId="255"/>
+        <pc:sldMkLst>
+          <pc:docMk/>
+          <pc:sldMk cId="571726433" sldId="317"/>
+        </pc:sldMkLst>
+        <pc:spChg chg="mod">
+          <ac:chgData name="Carroll, Claudia" userId="5513adb2-3315-47c6-853b-61e74126e783" providerId="ADAL" clId="{EBC259E9-9BFE-DA47-84B6-4A60FBEA897F}" dt="2024-09-30T16:44:04.045" v="29" actId="255"/>
+          <ac:spMkLst>
+            <pc:docMk/>
+            <pc:sldMk cId="571726433" sldId="317"/>
+            <ac:spMk id="2" creationId="{EF976149-E53C-0939-1D1A-7B3A82D26526}"/>
+          </ac:spMkLst>
+        </pc:spChg>
+        <pc:spChg chg="mod">
+          <ac:chgData name="Carroll, Claudia" userId="5513adb2-3315-47c6-853b-61e74126e783" providerId="ADAL" clId="{EBC259E9-9BFE-DA47-84B6-4A60FBEA897F}" dt="2024-09-30T16:43:43.259" v="22" actId="20577"/>
+          <ac:spMkLst>
+            <pc:docMk/>
+            <pc:sldMk cId="571726433" sldId="317"/>
+            <ac:spMk id="3" creationId="{B56F1AE2-7A75-E59D-99EA-1E6405461041}"/>
+          </ac:spMkLst>
+        </pc:spChg>
+      </pc:sldChg>
+      <pc:sldChg chg="modSp mod">
+        <pc:chgData name="Carroll, Claudia" userId="5513adb2-3315-47c6-853b-61e74126e783" providerId="ADAL" clId="{EBC259E9-9BFE-DA47-84B6-4A60FBEA897F}" dt="2024-09-30T16:43:29.066" v="20" actId="255"/>
+        <pc:sldMkLst>
+          <pc:docMk/>
+          <pc:sldMk cId="1373407469" sldId="319"/>
+        </pc:sldMkLst>
+        <pc:spChg chg="mod">
+          <ac:chgData name="Carroll, Claudia" userId="5513adb2-3315-47c6-853b-61e74126e783" providerId="ADAL" clId="{EBC259E9-9BFE-DA47-84B6-4A60FBEA897F}" dt="2024-09-30T16:43:29.066" v="20" actId="255"/>
+          <ac:spMkLst>
+            <pc:docMk/>
+            <pc:sldMk cId="1373407469" sldId="319"/>
+            <ac:spMk id="2" creationId="{48D47253-65B9-A50B-6A0B-51F0C048B786}"/>
+          </ac:spMkLst>
+        </pc:spChg>
+      </pc:sldChg>
+      <pc:sldChg chg="ord">
+        <pc:chgData name="Carroll, Claudia" userId="5513adb2-3315-47c6-853b-61e74126e783" providerId="ADAL" clId="{EBC259E9-9BFE-DA47-84B6-4A60FBEA897F}" dt="2024-09-30T16:27:51.138" v="8" actId="20578"/>
+        <pc:sldMkLst>
+          <pc:docMk/>
+          <pc:sldMk cId="1647116308" sldId="320"/>
+        </pc:sldMkLst>
+      </pc:sldChg>
+      <pc:sldChg chg="modSp add mod ord">
+        <pc:chgData name="Carroll, Claudia" userId="5513adb2-3315-47c6-853b-61e74126e783" providerId="ADAL" clId="{EBC259E9-9BFE-DA47-84B6-4A60FBEA897F}" dt="2024-09-30T16:43:04.828" v="18" actId="255"/>
+        <pc:sldMkLst>
+          <pc:docMk/>
+          <pc:sldMk cId="870332998" sldId="322"/>
+        </pc:sldMkLst>
+        <pc:spChg chg="mod">
+          <ac:chgData name="Carroll, Claudia" userId="5513adb2-3315-47c6-853b-61e74126e783" providerId="ADAL" clId="{EBC259E9-9BFE-DA47-84B6-4A60FBEA897F}" dt="2024-09-30T16:43:04.828" v="18" actId="255"/>
+          <ac:spMkLst>
+            <pc:docMk/>
+            <pc:sldMk cId="870332998" sldId="322"/>
+            <ac:spMk id="2" creationId="{70A0191F-75E9-FAB8-A084-733A421079B9}"/>
+          </ac:spMkLst>
+        </pc:spChg>
+        <pc:spChg chg="mod">
+          <ac:chgData name="Carroll, Claudia" userId="5513adb2-3315-47c6-853b-61e74126e783" providerId="ADAL" clId="{EBC259E9-9BFE-DA47-84B6-4A60FBEA897F}" dt="2024-09-30T16:42:44.185" v="12" actId="20577"/>
+          <ac:spMkLst>
+            <pc:docMk/>
+            <pc:sldMk cId="870332998" sldId="322"/>
+            <ac:spMk id="3" creationId="{72B938D6-3F65-8CCF-8CB4-6F0678584F3C}"/>
+          </ac:spMkLst>
+        </pc:spChg>
+      </pc:sldChg>
+      <pc:sldChg chg="add">
+        <pc:chgData name="Carroll, Claudia" userId="5513adb2-3315-47c6-853b-61e74126e783" providerId="ADAL" clId="{EBC259E9-9BFE-DA47-84B6-4A60FBEA897F}" dt="2024-09-30T16:43:39.479" v="21" actId="2890"/>
+        <pc:sldMkLst>
+          <pc:docMk/>
+          <pc:sldMk cId="2805121550" sldId="323"/>
+        </pc:sldMkLst>
+      </pc:sldChg>
+    </pc:docChg>
+  </pc:docChgLst>
+</pc:chgInfo>
 </file>
 
 <file path=ppt/notesMasters/notesMaster1.xml><?xml version="1.0" encoding="utf-8"?>
@@ -2764,7 +2897,7 @@
           <p:cNvPr id="2" name="Content Placeholder 1">
             <a:extLst>
               <a:ext uri="{FF2B5EF4-FFF2-40B4-BE49-F238E27FC236}">
-                <a16:creationId xmlns:a16="http://schemas.microsoft.com/office/drawing/2014/main" id="{48D47253-65B9-A50B-6A0B-51F0C048B786}"/>
+                <a16:creationId xmlns:a16="http://schemas.microsoft.com/office/drawing/2014/main" id="{70A0191F-75E9-FAB8-A084-733A421079B9}"/>
               </a:ext>
             </a:extLst>
           </p:cNvPr>
@@ -2775,7 +2908,12 @@
             <p:ph idx="1"/>
           </p:nvPr>
         </p:nvSpPr>
-        <p:spPr/>
+        <p:spPr>
+          <a:xfrm>
+            <a:off x="342267" y="1600200"/>
+            <a:ext cx="8550324" cy="4778022"/>
+          </a:xfrm>
+        </p:spPr>
         <p:txBody>
           <a:bodyPr vert="horz" lIns="91440" tIns="45720" rIns="91440" bIns="45720" rtlCol="0" anchor="t">
             <a:normAutofit/>
@@ -2786,21 +2924,21 @@
               <a:buNone/>
             </a:pPr>
             <a:r>
-              <a:rPr lang="en-US" sz="2000" dirty="0">
+              <a:rPr lang="en-US" sz="2400" dirty="0">
                 <a:solidFill>
                   <a:srgbClr val="000000"/>
                 </a:solidFill>
                 <a:latin typeface="Times New Roman"/>
                 <a:cs typeface="Times New Roman"/>
               </a:rPr>
-              <a:t>Create a new text file called “python.txt” that contains the text “I am almost finished my first python class!”)</a:t>
+              <a:t>Write the code to count the approximate number of words in the file austen_pride.txt</a:t>
             </a:r>
           </a:p>
           <a:p>
             <a:pPr marL="0" indent="0">
               <a:buNone/>
             </a:pPr>
-            <a:endParaRPr lang="en-US" sz="2000" dirty="0">
+            <a:endParaRPr lang="en-US" sz="2400" dirty="0">
               <a:solidFill>
                 <a:srgbClr val="000000"/>
               </a:solidFill>
@@ -2813,14 +2951,14 @@
               <a:buNone/>
             </a:pPr>
             <a:r>
-              <a:rPr lang="en-US" sz="2000" dirty="0">
+              <a:rPr lang="en-US" sz="1800" dirty="0">
                 <a:solidFill>
                   <a:srgbClr val="000000"/>
                 </a:solidFill>
-                <a:latin typeface="Times New Roman"/>
-                <a:cs typeface="Times New Roman"/>
-              </a:rPr>
-              <a:t>file = open("python.txt", mode="w", encoding="utf-8")</a:t>
+                <a:latin typeface="Menlo"/>
+                <a:cs typeface="Times New Roman"/>
+              </a:rPr>
+              <a:t>file = open("austen_pride.txt", mode="r", encoding="utf-8")</a:t>
             </a:r>
           </a:p>
           <a:p>
@@ -2828,24 +2966,108 @@
               <a:buNone/>
             </a:pPr>
             <a:r>
-              <a:rPr lang="en-US" sz="2000" dirty="0" err="1">
+              <a:rPr lang="en-US" sz="1800" dirty="0">
                 <a:solidFill>
                   <a:srgbClr val="000000"/>
                 </a:solidFill>
-                <a:latin typeface="Times New Roman"/>
-                <a:cs typeface="Times New Roman"/>
-              </a:rPr>
-              <a:t>file.write</a:t>
-            </a:r>
-            <a:r>
-              <a:rPr lang="en-US" sz="2000" dirty="0">
+                <a:latin typeface="Menlo"/>
+                <a:cs typeface="Times New Roman"/>
+              </a:rPr>
+              <a:t>text = </a:t>
+            </a:r>
+            <a:r>
+              <a:rPr lang="en-US" sz="1800" dirty="0" err="1">
                 <a:solidFill>
                   <a:srgbClr val="000000"/>
                 </a:solidFill>
-                <a:latin typeface="Times New Roman"/>
-                <a:cs typeface="Times New Roman"/>
-              </a:rPr>
-              <a:t>(“I am almost finished my first python class!”)</a:t>
+                <a:latin typeface="Menlo"/>
+                <a:cs typeface="Times New Roman"/>
+              </a:rPr>
+              <a:t>file.read</a:t>
+            </a:r>
+            <a:r>
+              <a:rPr lang="en-US" sz="1800" dirty="0">
+                <a:solidFill>
+                  <a:srgbClr val="000000"/>
+                </a:solidFill>
+                <a:latin typeface="Menlo"/>
+                <a:cs typeface="Times New Roman"/>
+              </a:rPr>
+              <a:t>()</a:t>
+            </a:r>
+          </a:p>
+          <a:p>
+            <a:pPr marL="0" indent="0">
+              <a:buNone/>
+            </a:pPr>
+            <a:r>
+              <a:rPr lang="en-US" sz="1800" dirty="0">
+                <a:solidFill>
+                  <a:srgbClr val="000000"/>
+                </a:solidFill>
+                <a:latin typeface="Menlo"/>
+                <a:cs typeface="Times New Roman"/>
+              </a:rPr>
+              <a:t>words = </a:t>
+            </a:r>
+            <a:r>
+              <a:rPr lang="en-US" sz="1800" dirty="0" err="1">
+                <a:solidFill>
+                  <a:srgbClr val="000000"/>
+                </a:solidFill>
+                <a:latin typeface="Menlo"/>
+                <a:cs typeface="Times New Roman"/>
+              </a:rPr>
+              <a:t>text.split</a:t>
+            </a:r>
+            <a:r>
+              <a:rPr lang="en-US" sz="1800" dirty="0">
+                <a:solidFill>
+                  <a:srgbClr val="000000"/>
+                </a:solidFill>
+                <a:latin typeface="Menlo"/>
+                <a:cs typeface="Times New Roman"/>
+              </a:rPr>
+              <a:t>()</a:t>
+            </a:r>
+            <a:endParaRPr lang="en-US" sz="1800">
+              <a:latin typeface="Menlo"/>
+              <a:cs typeface="Arial"/>
+            </a:endParaRPr>
+          </a:p>
+          <a:p>
+            <a:pPr marL="0" indent="0">
+              <a:buNone/>
+            </a:pPr>
+            <a:r>
+              <a:rPr lang="en-US" sz="1800" dirty="0">
+                <a:solidFill>
+                  <a:srgbClr val="000000"/>
+                </a:solidFill>
+                <a:latin typeface="Menlo"/>
+                <a:cs typeface="Times New Roman"/>
+              </a:rPr>
+              <a:t>print(</a:t>
+            </a:r>
+            <a:r>
+              <a:rPr lang="en-US" sz="1800" dirty="0" err="1">
+                <a:solidFill>
+                  <a:srgbClr val="000000"/>
+                </a:solidFill>
+                <a:latin typeface="Menlo"/>
+                <a:cs typeface="Times New Roman"/>
+              </a:rPr>
+              <a:t>len</a:t>
+            </a:r>
+            <a:r>
+              <a:rPr lang="en-US" sz="1800" dirty="0">
+                <a:solidFill>
+                  <a:srgbClr val="000000"/>
+                </a:solidFill>
+                <a:latin typeface="Menlo"/>
+                <a:cs typeface="Times New Roman"/>
+              </a:rPr>
+              <a:t>(words))</a:t>
             </a:r>
           </a:p>
         </p:txBody>
@@ -2855,7 +3077,7 @@
           <p:cNvPr id="3" name="Title 2">
             <a:extLst>
               <a:ext uri="{FF2B5EF4-FFF2-40B4-BE49-F238E27FC236}">
-                <a16:creationId xmlns:a16="http://schemas.microsoft.com/office/drawing/2014/main" id="{2D2E9E46-02CC-ED1A-3F5A-52FE5F33A7BB}"/>
+                <a16:creationId xmlns:a16="http://schemas.microsoft.com/office/drawing/2014/main" id="{72B938D6-3F65-8CCF-8CB4-6F0678584F3C}"/>
               </a:ext>
             </a:extLst>
           </p:cNvPr>
@@ -2880,7 +3102,7 @@
                 <a:latin typeface="Times New Roman"/>
                 <a:cs typeface="Times New Roman"/>
               </a:rPr>
-              <a:t>Exercise One Part Two</a:t>
+              <a:t>Exercise One Part One</a:t>
             </a:r>
             <a:endParaRPr lang="en-US" dirty="0">
               <a:solidFill>
@@ -2893,7 +3115,7 @@
     </p:spTree>
     <p:extLst>
       <p:ext uri="{BB962C8B-B14F-4D97-AF65-F5344CB8AC3E}">
-        <p14:creationId xmlns:p14="http://schemas.microsoft.com/office/powerpoint/2010/main" val="1373407469"/>
+        <p14:creationId xmlns:p14="http://schemas.microsoft.com/office/powerpoint/2010/main" val="2157317710"/>
       </p:ext>
     </p:extLst>
   </p:cSld>
@@ -2934,10 +3156,10 @@
       </p:grpSpPr>
       <p:sp>
         <p:nvSpPr>
-          <p:cNvPr id="2" name="Title 1">
+          <p:cNvPr id="2" name="Content Placeholder 1">
             <a:extLst>
               <a:ext uri="{FF2B5EF4-FFF2-40B4-BE49-F238E27FC236}">
-                <a16:creationId xmlns:a16="http://schemas.microsoft.com/office/drawing/2014/main" id="{A93F4B90-591B-AFED-47AE-9703569E8073}"/>
+                <a16:creationId xmlns:a16="http://schemas.microsoft.com/office/drawing/2014/main" id="{48D47253-65B9-A50B-6A0B-51F0C048B786}"/>
               </a:ext>
             </a:extLst>
           </p:cNvPr>
@@ -2945,31 +3167,93 @@
             <a:spLocks noGrp="1"/>
           </p:cNvSpPr>
           <p:nvPr>
-            <p:ph type="ctrTitle"/>
+            <p:ph idx="1"/>
           </p:nvPr>
         </p:nvSpPr>
         <p:spPr/>
         <p:txBody>
-          <a:bodyPr/>
+          <a:bodyPr vert="horz" lIns="91440" tIns="45720" rIns="91440" bIns="45720" rtlCol="0" anchor="t">
+            <a:normAutofit/>
+          </a:bodyPr>
           <a:lstStyle/>
           <a:p>
-            <a:r>
-              <a:rPr lang="en-US" dirty="0">
+            <a:pPr marL="0" indent="0">
+              <a:buNone/>
+            </a:pPr>
+            <a:r>
+              <a:rPr lang="en-US" sz="2000" dirty="0">
+                <a:solidFill>
+                  <a:srgbClr val="000000"/>
+                </a:solidFill>
                 <a:latin typeface="Times New Roman"/>
                 <a:cs typeface="Times New Roman"/>
               </a:rPr>
-              <a:t>Demo Two</a:t>
-            </a:r>
-            <a:endParaRPr lang="en-US" dirty="0"/>
+              <a:t>Create a new text file called “python.txt” that contains the text “I am almost finished my first python class!”)</a:t>
+            </a:r>
+          </a:p>
+          <a:p>
+            <a:pPr marL="0" indent="0">
+              <a:buNone/>
+            </a:pPr>
+            <a:endParaRPr lang="en-US" sz="2000" dirty="0">
+              <a:solidFill>
+                <a:srgbClr val="000000"/>
+              </a:solidFill>
+              <a:latin typeface="Times New Roman"/>
+              <a:cs typeface="Times New Roman"/>
+            </a:endParaRPr>
+          </a:p>
+          <a:p>
+            <a:pPr marL="0" indent="0">
+              <a:buNone/>
+            </a:pPr>
+            <a:r>
+              <a:rPr lang="en-US" sz="1800" dirty="0">
+                <a:solidFill>
+                  <a:srgbClr val="000000"/>
+                </a:solidFill>
+                <a:latin typeface="Menlo" panose="020B0609030804020204" pitchFamily="49" charset="0"/>
+                <a:ea typeface="Menlo" panose="020B0609030804020204" pitchFamily="49" charset="0"/>
+                <a:cs typeface="Menlo" panose="020B0609030804020204" pitchFamily="49" charset="0"/>
+              </a:rPr>
+              <a:t>file = open("python.txt", mode="w", encoding="utf-8")</a:t>
+            </a:r>
+          </a:p>
+          <a:p>
+            <a:pPr marL="0" indent="0">
+              <a:buNone/>
+            </a:pPr>
+            <a:r>
+              <a:rPr lang="en-US" sz="1800" dirty="0" err="1">
+                <a:solidFill>
+                  <a:srgbClr val="000000"/>
+                </a:solidFill>
+                <a:latin typeface="Menlo" panose="020B0609030804020204" pitchFamily="49" charset="0"/>
+                <a:ea typeface="Menlo" panose="020B0609030804020204" pitchFamily="49" charset="0"/>
+                <a:cs typeface="Menlo" panose="020B0609030804020204" pitchFamily="49" charset="0"/>
+              </a:rPr>
+              <a:t>file.write</a:t>
+            </a:r>
+            <a:r>
+              <a:rPr lang="en-US" sz="1800" dirty="0">
+                <a:solidFill>
+                  <a:srgbClr val="000000"/>
+                </a:solidFill>
+                <a:latin typeface="Menlo" panose="020B0609030804020204" pitchFamily="49" charset="0"/>
+                <a:ea typeface="Menlo" panose="020B0609030804020204" pitchFamily="49" charset="0"/>
+                <a:cs typeface="Menlo" panose="020B0609030804020204" pitchFamily="49" charset="0"/>
+              </a:rPr>
+              <a:t>(“I am almost finished my first python class!”)</a:t>
+            </a:r>
           </a:p>
         </p:txBody>
       </p:sp>
       <p:sp>
         <p:nvSpPr>
-          <p:cNvPr id="3" name="Subtitle 2">
+          <p:cNvPr id="3" name="Title 2">
             <a:extLst>
               <a:ext uri="{FF2B5EF4-FFF2-40B4-BE49-F238E27FC236}">
-                <a16:creationId xmlns:a16="http://schemas.microsoft.com/office/drawing/2014/main" id="{2F83AEEC-F0B2-932C-4377-FF6E637A080C}"/>
+                <a16:creationId xmlns:a16="http://schemas.microsoft.com/office/drawing/2014/main" id="{2D2E9E46-02CC-ED1A-3F5A-52FE5F33A7BB}"/>
               </a:ext>
             </a:extLst>
           </p:cNvPr>
@@ -2977,33 +3261,37 @@
             <a:spLocks noGrp="1"/>
           </p:cNvSpPr>
           <p:nvPr>
-            <p:ph type="subTitle" idx="1"/>
+            <p:ph type="title"/>
           </p:nvPr>
         </p:nvSpPr>
         <p:spPr/>
         <p:txBody>
-          <a:bodyPr vert="horz" lIns="91440" tIns="45720" rIns="91440" bIns="45720" rtlCol="0" anchor="t">
-            <a:normAutofit fontScale="85000" lnSpcReduction="20000"/>
-          </a:bodyPr>
+          <a:bodyPr/>
           <a:lstStyle/>
           <a:p>
-            <a:r>
-              <a:rPr lang="en-US" sz="3600" dirty="0">
+            <a:pPr algn="ctr"/>
+            <a:r>
+              <a:rPr lang="en-US" dirty="0">
+                <a:solidFill>
+                  <a:srgbClr val="000000"/>
+                </a:solidFill>
                 <a:latin typeface="Times New Roman"/>
                 <a:cs typeface="Times New Roman"/>
               </a:rPr>
-              <a:t>Working with Spreadsheets</a:t>
-            </a:r>
-          </a:p>
-          <a:p>
-            <a:endParaRPr lang="en-US" dirty="0"/>
+              <a:t>Exercise One Part Two</a:t>
+            </a:r>
+            <a:endParaRPr lang="en-US" dirty="0">
+              <a:solidFill>
+                <a:srgbClr val="000000"/>
+              </a:solidFill>
+            </a:endParaRPr>
           </a:p>
         </p:txBody>
       </p:sp>
     </p:spTree>
     <p:extLst>
       <p:ext uri="{BB962C8B-B14F-4D97-AF65-F5344CB8AC3E}">
-        <p14:creationId xmlns:p14="http://schemas.microsoft.com/office/powerpoint/2010/main" val="1355289730"/>
+        <p14:creationId xmlns:p14="http://schemas.microsoft.com/office/powerpoint/2010/main" val="1373407469"/>
       </p:ext>
     </p:extLst>
   </p:cSld>
@@ -3044,10 +3332,10 @@
       </p:grpSpPr>
       <p:sp>
         <p:nvSpPr>
-          <p:cNvPr id="2" name="Content Placeholder 1">
+          <p:cNvPr id="2" name="Title 1">
             <a:extLst>
               <a:ext uri="{FF2B5EF4-FFF2-40B4-BE49-F238E27FC236}">
-                <a16:creationId xmlns:a16="http://schemas.microsoft.com/office/drawing/2014/main" id="{EF976149-E53C-0939-1D1A-7B3A82D26526}"/>
+                <a16:creationId xmlns:a16="http://schemas.microsoft.com/office/drawing/2014/main" id="{A93F4B90-591B-AFED-47AE-9703569E8073}"/>
               </a:ext>
             </a:extLst>
           </p:cNvPr>
@@ -3055,162 +3343,31 @@
             <a:spLocks noGrp="1"/>
           </p:cNvSpPr>
           <p:nvPr>
-            <p:ph idx="1"/>
+            <p:ph type="ctrTitle"/>
           </p:nvPr>
         </p:nvSpPr>
         <p:spPr/>
         <p:txBody>
-          <a:bodyPr vert="horz" lIns="91440" tIns="45720" rIns="91440" bIns="45720" rtlCol="0" anchor="t">
-            <a:normAutofit/>
-          </a:bodyPr>
+          <a:bodyPr/>
           <a:lstStyle/>
           <a:p>
-            <a:pPr marL="0" indent="0">
-              <a:buNone/>
-            </a:pPr>
-            <a:r>
-              <a:rPr lang="en-US" sz="2400" dirty="0">
-                <a:solidFill>
-                  <a:schemeClr val="tx1"/>
-                </a:solidFill>
+            <a:r>
+              <a:rPr lang="en-US" dirty="0">
                 <a:latin typeface="Times New Roman"/>
                 <a:cs typeface="Times New Roman"/>
               </a:rPr>
-              <a:t>Write the code to print each country in the data file gdp_africa.csv and that country’s mean </a:t>
-            </a:r>
-            <a:r>
-              <a:rPr lang="en-US" sz="2400" dirty="0" err="1">
-                <a:solidFill>
-                  <a:schemeClr val="tx1"/>
-                </a:solidFill>
-                <a:latin typeface="Times New Roman"/>
-                <a:cs typeface="Times New Roman"/>
-              </a:rPr>
-              <a:t>gdp</a:t>
-            </a:r>
-            <a:r>
-              <a:rPr lang="en-US" sz="2400" dirty="0">
-                <a:solidFill>
-                  <a:schemeClr val="tx1"/>
-                </a:solidFill>
-                <a:latin typeface="Times New Roman"/>
-                <a:cs typeface="Times New Roman"/>
-              </a:rPr>
-              <a:t> between 1952 and 1982.</a:t>
-            </a:r>
-            <a:endParaRPr lang="en-US" sz="2400" dirty="0">
-              <a:solidFill>
-                <a:schemeClr val="tx1"/>
-              </a:solidFill>
-              <a:latin typeface="Times New Roman"/>
-            </a:endParaRPr>
-          </a:p>
-          <a:p>
-            <a:pPr marL="0" indent="0">
-              <a:buNone/>
-            </a:pPr>
-            <a:endParaRPr lang="en-US" sz="2400" dirty="0">
-              <a:solidFill>
-                <a:schemeClr val="tx1"/>
-              </a:solidFill>
-              <a:latin typeface="Times New Roman"/>
-              <a:cs typeface="Arial"/>
-            </a:endParaRPr>
-          </a:p>
-          <a:p>
-            <a:endParaRPr lang="en-US" sz="2400" dirty="0">
-              <a:solidFill>
-                <a:schemeClr val="tx1"/>
-              </a:solidFill>
-              <a:latin typeface="Times New Roman"/>
-              <a:cs typeface="Arial"/>
-            </a:endParaRPr>
-          </a:p>
-          <a:p>
-            <a:pPr marL="0" indent="0">
-              <a:buNone/>
-            </a:pPr>
-            <a:r>
-              <a:rPr lang="en-US" sz="1800" dirty="0">
-                <a:solidFill>
-                  <a:schemeClr val="tx1"/>
-                </a:solidFill>
-                <a:latin typeface="Menlo"/>
-                <a:cs typeface="Arial"/>
-              </a:rPr>
-              <a:t>for x in countries:  </a:t>
-            </a:r>
-            <a:endParaRPr lang="en-US" sz="1800" dirty="0">
-              <a:solidFill>
-                <a:schemeClr val="tx1"/>
-              </a:solidFill>
-              <a:latin typeface="Menlo"/>
-            </a:endParaRPr>
-          </a:p>
-          <a:p>
-            <a:pPr marL="0" indent="0">
-              <a:buNone/>
-            </a:pPr>
-            <a:r>
-              <a:rPr lang="en-US" sz="1800" dirty="0">
-                <a:solidFill>
-                  <a:schemeClr val="tx1"/>
-                </a:solidFill>
-                <a:latin typeface="Menlo"/>
-                <a:cs typeface="Arial"/>
-              </a:rPr>
-              <a:t> y = </a:t>
-            </a:r>
-            <a:r>
-              <a:rPr lang="en-US" sz="1800" dirty="0" err="1">
-                <a:solidFill>
-                  <a:schemeClr val="tx1"/>
-                </a:solidFill>
-                <a:latin typeface="Menlo"/>
-                <a:cs typeface="Arial"/>
-              </a:rPr>
-              <a:t>df.loc</a:t>
-            </a:r>
-            <a:r>
-              <a:rPr lang="en-US" sz="1800" dirty="0">
-                <a:solidFill>
-                  <a:schemeClr val="tx1"/>
-                </a:solidFill>
-                <a:latin typeface="Menlo"/>
-                <a:cs typeface="Arial"/>
-              </a:rPr>
-              <a:t>[x, "gdpPercap_1952": "gdpPercap_1982"].mean()</a:t>
-            </a:r>
-            <a:endParaRPr lang="en-US" sz="1800" dirty="0">
-              <a:solidFill>
-                <a:schemeClr val="tx1"/>
-              </a:solidFill>
-              <a:latin typeface="Menlo"/>
-            </a:endParaRPr>
-          </a:p>
-          <a:p>
-            <a:pPr marL="0" indent="0">
-              <a:buNone/>
-            </a:pPr>
-            <a:r>
-              <a:rPr lang="en-US" sz="1800" dirty="0">
-                <a:solidFill>
-                  <a:schemeClr val="tx1"/>
-                </a:solidFill>
-                <a:latin typeface="Menlo"/>
-                <a:cs typeface="Arial"/>
-              </a:rPr>
-              <a:t> print(x, y)</a:t>
-            </a:r>
+              <a:t>Demo Two</a:t>
+            </a:r>
+            <a:endParaRPr lang="en-US" dirty="0"/>
           </a:p>
         </p:txBody>
       </p:sp>
       <p:sp>
         <p:nvSpPr>
-          <p:cNvPr id="3" name="Title 2">
+          <p:cNvPr id="3" name="Subtitle 2">
             <a:extLst>
               <a:ext uri="{FF2B5EF4-FFF2-40B4-BE49-F238E27FC236}">
-                <a16:creationId xmlns:a16="http://schemas.microsoft.com/office/drawing/2014/main" id="{B56F1AE2-7A75-E59D-99EA-1E6405461041}"/>
+                <a16:creationId xmlns:a16="http://schemas.microsoft.com/office/drawing/2014/main" id="{2F83AEEC-F0B2-932C-4377-FF6E637A080C}"/>
               </a:ext>
             </a:extLst>
           </p:cNvPr>
@@ -3218,37 +3375,33 @@
             <a:spLocks noGrp="1"/>
           </p:cNvSpPr>
           <p:nvPr>
-            <p:ph type="title"/>
+            <p:ph type="subTitle" idx="1"/>
           </p:nvPr>
         </p:nvSpPr>
         <p:spPr/>
         <p:txBody>
-          <a:bodyPr/>
+          <a:bodyPr vert="horz" lIns="91440" tIns="45720" rIns="91440" bIns="45720" rtlCol="0" anchor="t">
+            <a:normAutofit fontScale="85000" lnSpcReduction="20000"/>
+          </a:bodyPr>
           <a:lstStyle/>
           <a:p>
-            <a:pPr algn="ctr"/>
-            <a:r>
-              <a:rPr lang="en-US" dirty="0">
-                <a:solidFill>
-                  <a:schemeClr val="tx1"/>
-                </a:solidFill>
+            <a:r>
+              <a:rPr lang="en-US" sz="3600" dirty="0">
                 <a:latin typeface="Times New Roman"/>
                 <a:cs typeface="Times New Roman"/>
               </a:rPr>
-              <a:t>Exercise Two Part One</a:t>
-            </a:r>
-            <a:endParaRPr lang="en-US" dirty="0">
-              <a:solidFill>
-                <a:schemeClr val="tx1"/>
-              </a:solidFill>
-            </a:endParaRPr>
+              <a:t>Working with Spreadsheets</a:t>
+            </a:r>
+          </a:p>
+          <a:p>
+            <a:endParaRPr lang="en-US" dirty="0"/>
           </a:p>
         </p:txBody>
       </p:sp>
     </p:spTree>
     <p:extLst>
       <p:ext uri="{BB962C8B-B14F-4D97-AF65-F5344CB8AC3E}">
-        <p14:creationId xmlns:p14="http://schemas.microsoft.com/office/powerpoint/2010/main" val="571726433"/>
+        <p14:creationId xmlns:p14="http://schemas.microsoft.com/office/powerpoint/2010/main" val="1355289730"/>
       </p:ext>
     </p:extLst>
   </p:cSld>
@@ -3292,6 +3445,464 @@
           <p:cNvPr id="2" name="Content Placeholder 1">
             <a:extLst>
               <a:ext uri="{FF2B5EF4-FFF2-40B4-BE49-F238E27FC236}">
+                <a16:creationId xmlns:a16="http://schemas.microsoft.com/office/drawing/2014/main" id="{EF976149-E53C-0939-1D1A-7B3A82D26526}"/>
+              </a:ext>
+            </a:extLst>
+          </p:cNvPr>
+          <p:cNvSpPr>
+            <a:spLocks noGrp="1"/>
+          </p:cNvSpPr>
+          <p:nvPr>
+            <p:ph idx="1"/>
+          </p:nvPr>
+        </p:nvSpPr>
+        <p:spPr/>
+        <p:txBody>
+          <a:bodyPr vert="horz" lIns="91440" tIns="45720" rIns="91440" bIns="45720" rtlCol="0" anchor="t">
+            <a:normAutofit/>
+          </a:bodyPr>
+          <a:lstStyle/>
+          <a:p>
+            <a:pPr marL="457200" indent="-457200">
+              <a:buFont typeface="+mj-lt"/>
+              <a:buAutoNum type="arabicPeriod"/>
+            </a:pPr>
+            <a:r>
+              <a:rPr lang="en-US" dirty="0">
+                <a:solidFill>
+                  <a:schemeClr val="tx1"/>
+                </a:solidFill>
+                <a:latin typeface="Times New Roman"/>
+                <a:cs typeface="Times New Roman"/>
+              </a:rPr>
+              <a:t>Write the code to print each country in the data file gdp_africa.csv and that country’s mean </a:t>
+            </a:r>
+            <a:r>
+              <a:rPr lang="en-US" dirty="0" err="1">
+                <a:solidFill>
+                  <a:schemeClr val="tx1"/>
+                </a:solidFill>
+                <a:latin typeface="Times New Roman"/>
+                <a:cs typeface="Times New Roman"/>
+              </a:rPr>
+              <a:t>gdp</a:t>
+            </a:r>
+            <a:r>
+              <a:rPr lang="en-US" dirty="0">
+                <a:solidFill>
+                  <a:schemeClr val="tx1"/>
+                </a:solidFill>
+                <a:latin typeface="Times New Roman"/>
+                <a:cs typeface="Times New Roman"/>
+              </a:rPr>
+              <a:t> between 1952 and 1982.</a:t>
+            </a:r>
+          </a:p>
+          <a:p>
+            <a:pPr marL="457200" indent="-457200">
+              <a:buFont typeface="+mj-lt"/>
+              <a:buAutoNum type="arabicPeriod"/>
+            </a:pPr>
+            <a:r>
+              <a:rPr lang="en-US" dirty="0">
+                <a:solidFill>
+                  <a:srgbClr val="000000"/>
+                </a:solidFill>
+                <a:latin typeface="Times New Roman"/>
+                <a:cs typeface="Times New Roman"/>
+              </a:rPr>
+              <a:t>Now write the code to print each year (as represented by the column headings) in </a:t>
+            </a:r>
+            <a:r>
+              <a:rPr lang="en-US" dirty="0" err="1">
+                <a:solidFill>
+                  <a:srgbClr val="000000"/>
+                </a:solidFill>
+                <a:latin typeface="Times New Roman"/>
+                <a:cs typeface="Times New Roman"/>
+              </a:rPr>
+              <a:t>gdp_africa.csv</a:t>
+            </a:r>
+            <a:r>
+              <a:rPr lang="en-US" dirty="0">
+                <a:solidFill>
+                  <a:srgbClr val="000000"/>
+                </a:solidFill>
+                <a:latin typeface="Times New Roman"/>
+                <a:cs typeface="Times New Roman"/>
+              </a:rPr>
+              <a:t> and the mean GDP in Africa that year. How does your code differ from part one?</a:t>
+            </a:r>
+          </a:p>
+          <a:p>
+            <a:pPr marL="0" indent="0">
+              <a:buNone/>
+            </a:pPr>
+            <a:endParaRPr lang="en-US" sz="2400" dirty="0">
+              <a:solidFill>
+                <a:schemeClr val="tx1"/>
+              </a:solidFill>
+              <a:latin typeface="Times New Roman"/>
+            </a:endParaRPr>
+          </a:p>
+          <a:p>
+            <a:pPr marL="0" indent="0">
+              <a:buNone/>
+            </a:pPr>
+            <a:endParaRPr lang="en-US" sz="2400" dirty="0">
+              <a:solidFill>
+                <a:schemeClr val="tx1"/>
+              </a:solidFill>
+              <a:latin typeface="Times New Roman"/>
+              <a:cs typeface="Arial"/>
+            </a:endParaRPr>
+          </a:p>
+          <a:p>
+            <a:pPr marL="0" indent="0">
+              <a:buNone/>
+            </a:pPr>
+            <a:endParaRPr lang="en-US" sz="2400" dirty="0">
+              <a:solidFill>
+                <a:schemeClr val="tx1"/>
+              </a:solidFill>
+              <a:latin typeface="Times New Roman"/>
+              <a:cs typeface="Arial"/>
+            </a:endParaRPr>
+          </a:p>
+        </p:txBody>
+      </p:sp>
+      <p:sp>
+        <p:nvSpPr>
+          <p:cNvPr id="3" name="Title 2">
+            <a:extLst>
+              <a:ext uri="{FF2B5EF4-FFF2-40B4-BE49-F238E27FC236}">
+                <a16:creationId xmlns:a16="http://schemas.microsoft.com/office/drawing/2014/main" id="{B56F1AE2-7A75-E59D-99EA-1E6405461041}"/>
+              </a:ext>
+            </a:extLst>
+          </p:cNvPr>
+          <p:cNvSpPr>
+            <a:spLocks noGrp="1"/>
+          </p:cNvSpPr>
+          <p:nvPr>
+            <p:ph type="title"/>
+          </p:nvPr>
+        </p:nvSpPr>
+        <p:spPr/>
+        <p:txBody>
+          <a:bodyPr/>
+          <a:lstStyle/>
+          <a:p>
+            <a:pPr algn="ctr"/>
+            <a:r>
+              <a:rPr lang="en-US" dirty="0">
+                <a:solidFill>
+                  <a:schemeClr val="tx1"/>
+                </a:solidFill>
+                <a:latin typeface="Times New Roman"/>
+                <a:cs typeface="Times New Roman"/>
+              </a:rPr>
+              <a:t>Exercise Two</a:t>
+            </a:r>
+            <a:endParaRPr lang="en-US" dirty="0">
+              <a:solidFill>
+                <a:schemeClr val="tx1"/>
+              </a:solidFill>
+            </a:endParaRPr>
+          </a:p>
+        </p:txBody>
+      </p:sp>
+    </p:spTree>
+    <p:extLst>
+      <p:ext uri="{BB962C8B-B14F-4D97-AF65-F5344CB8AC3E}">
+        <p14:creationId xmlns:p14="http://schemas.microsoft.com/office/powerpoint/2010/main" val="571726433"/>
+      </p:ext>
+    </p:extLst>
+  </p:cSld>
+  <p:clrMapOvr>
+    <a:masterClrMapping/>
+  </p:clrMapOvr>
+  <mc:AlternateContent xmlns:mc="http://schemas.openxmlformats.org/markup-compatibility/2006" xmlns:p14="http://schemas.microsoft.com/office/powerpoint/2010/main">
+    <mc:Choice Requires="p14">
+      <p:transition spd="med" p14:dur="700">
+        <p:fade/>
+      </p:transition>
+    </mc:Choice>
+    <mc:Fallback xmlns="">
+      <p:transition spd="med">
+        <p:fade/>
+      </p:transition>
+    </mc:Fallback>
+  </mc:AlternateContent>
+</p:sld>
+</file>
+
+<file path=ppt/slides/slide14.xml><?xml version="1.0" encoding="utf-8"?>
+<p:sld xmlns:a="http://schemas.openxmlformats.org/drawingml/2006/main" xmlns:r="http://schemas.openxmlformats.org/officeDocument/2006/relationships" xmlns:p="http://schemas.openxmlformats.org/presentationml/2006/main">
+  <p:cSld>
+    <p:spTree>
+      <p:nvGrpSpPr>
+        <p:cNvPr id="1" name=""/>
+        <p:cNvGrpSpPr/>
+        <p:nvPr/>
+      </p:nvGrpSpPr>
+      <p:grpSpPr>
+        <a:xfrm>
+          <a:off x="0" y="0"/>
+          <a:ext cx="0" cy="0"/>
+          <a:chOff x="0" y="0"/>
+          <a:chExt cx="0" cy="0"/>
+        </a:xfrm>
+      </p:grpSpPr>
+      <p:sp>
+        <p:nvSpPr>
+          <p:cNvPr id="2" name="Content Placeholder 1">
+            <a:extLst>
+              <a:ext uri="{FF2B5EF4-FFF2-40B4-BE49-F238E27FC236}">
+                <a16:creationId xmlns:a16="http://schemas.microsoft.com/office/drawing/2014/main" id="{EF976149-E53C-0939-1D1A-7B3A82D26526}"/>
+              </a:ext>
+            </a:extLst>
+          </p:cNvPr>
+          <p:cNvSpPr>
+            <a:spLocks noGrp="1"/>
+          </p:cNvSpPr>
+          <p:nvPr>
+            <p:ph idx="1"/>
+          </p:nvPr>
+        </p:nvSpPr>
+        <p:spPr/>
+        <p:txBody>
+          <a:bodyPr vert="horz" lIns="91440" tIns="45720" rIns="91440" bIns="45720" rtlCol="0" anchor="t">
+            <a:normAutofit/>
+          </a:bodyPr>
+          <a:lstStyle/>
+          <a:p>
+            <a:pPr marL="0" indent="0">
+              <a:buNone/>
+            </a:pPr>
+            <a:r>
+              <a:rPr lang="en-US" sz="2400" dirty="0">
+                <a:solidFill>
+                  <a:schemeClr val="tx1"/>
+                </a:solidFill>
+                <a:latin typeface="Times New Roman"/>
+                <a:cs typeface="Times New Roman"/>
+              </a:rPr>
+              <a:t>Write the code to print each country in the data file gdp_africa.csv and that country’s mean </a:t>
+            </a:r>
+            <a:r>
+              <a:rPr lang="en-US" sz="2400" dirty="0" err="1">
+                <a:solidFill>
+                  <a:schemeClr val="tx1"/>
+                </a:solidFill>
+                <a:latin typeface="Times New Roman"/>
+                <a:cs typeface="Times New Roman"/>
+              </a:rPr>
+              <a:t>gdp</a:t>
+            </a:r>
+            <a:r>
+              <a:rPr lang="en-US" sz="2400" dirty="0">
+                <a:solidFill>
+                  <a:schemeClr val="tx1"/>
+                </a:solidFill>
+                <a:latin typeface="Times New Roman"/>
+                <a:cs typeface="Times New Roman"/>
+              </a:rPr>
+              <a:t> between 1952 and 1982.</a:t>
+            </a:r>
+            <a:endParaRPr lang="en-US" sz="2400" dirty="0">
+              <a:solidFill>
+                <a:schemeClr val="tx1"/>
+              </a:solidFill>
+              <a:latin typeface="Times New Roman"/>
+            </a:endParaRPr>
+          </a:p>
+          <a:p>
+            <a:pPr marL="0" indent="0">
+              <a:buNone/>
+            </a:pPr>
+            <a:endParaRPr lang="en-US" sz="2400" dirty="0">
+              <a:solidFill>
+                <a:schemeClr val="tx1"/>
+              </a:solidFill>
+              <a:latin typeface="Times New Roman"/>
+              <a:cs typeface="Arial"/>
+            </a:endParaRPr>
+          </a:p>
+          <a:p>
+            <a:endParaRPr lang="en-US" sz="2400" dirty="0">
+              <a:solidFill>
+                <a:schemeClr val="tx1"/>
+              </a:solidFill>
+              <a:latin typeface="Times New Roman"/>
+              <a:cs typeface="Arial"/>
+            </a:endParaRPr>
+          </a:p>
+          <a:p>
+            <a:pPr marL="0" indent="0">
+              <a:buNone/>
+            </a:pPr>
+            <a:r>
+              <a:rPr lang="en-US" sz="1800" dirty="0">
+                <a:solidFill>
+                  <a:schemeClr val="tx1"/>
+                </a:solidFill>
+                <a:latin typeface="Menlo"/>
+                <a:cs typeface="Arial"/>
+              </a:rPr>
+              <a:t>for x in countries:  </a:t>
+            </a:r>
+            <a:endParaRPr lang="en-US" sz="1800" dirty="0">
+              <a:solidFill>
+                <a:schemeClr val="tx1"/>
+              </a:solidFill>
+              <a:latin typeface="Menlo"/>
+            </a:endParaRPr>
+          </a:p>
+          <a:p>
+            <a:pPr marL="0" indent="0">
+              <a:buNone/>
+            </a:pPr>
+            <a:r>
+              <a:rPr lang="en-US" sz="1800" dirty="0">
+                <a:solidFill>
+                  <a:schemeClr val="tx1"/>
+                </a:solidFill>
+                <a:latin typeface="Menlo"/>
+                <a:cs typeface="Arial"/>
+              </a:rPr>
+              <a:t> y = </a:t>
+            </a:r>
+            <a:r>
+              <a:rPr lang="en-US" sz="1800" dirty="0" err="1">
+                <a:solidFill>
+                  <a:schemeClr val="tx1"/>
+                </a:solidFill>
+                <a:latin typeface="Menlo"/>
+                <a:cs typeface="Arial"/>
+              </a:rPr>
+              <a:t>df.loc</a:t>
+            </a:r>
+            <a:r>
+              <a:rPr lang="en-US" sz="1800" dirty="0">
+                <a:solidFill>
+                  <a:schemeClr val="tx1"/>
+                </a:solidFill>
+                <a:latin typeface="Menlo"/>
+                <a:cs typeface="Arial"/>
+              </a:rPr>
+              <a:t>[x, "gdpPercap_1952": "gdpPercap_1982"].mean()</a:t>
+            </a:r>
+            <a:endParaRPr lang="en-US" sz="1800" dirty="0">
+              <a:solidFill>
+                <a:schemeClr val="tx1"/>
+              </a:solidFill>
+              <a:latin typeface="Menlo"/>
+            </a:endParaRPr>
+          </a:p>
+          <a:p>
+            <a:pPr marL="0" indent="0">
+              <a:buNone/>
+            </a:pPr>
+            <a:r>
+              <a:rPr lang="en-US" sz="1800" dirty="0">
+                <a:solidFill>
+                  <a:schemeClr val="tx1"/>
+                </a:solidFill>
+                <a:latin typeface="Menlo"/>
+                <a:cs typeface="Arial"/>
+              </a:rPr>
+              <a:t> print(x, y)</a:t>
+            </a:r>
+          </a:p>
+        </p:txBody>
+      </p:sp>
+      <p:sp>
+        <p:nvSpPr>
+          <p:cNvPr id="3" name="Title 2">
+            <a:extLst>
+              <a:ext uri="{FF2B5EF4-FFF2-40B4-BE49-F238E27FC236}">
+                <a16:creationId xmlns:a16="http://schemas.microsoft.com/office/drawing/2014/main" id="{B56F1AE2-7A75-E59D-99EA-1E6405461041}"/>
+              </a:ext>
+            </a:extLst>
+          </p:cNvPr>
+          <p:cNvSpPr>
+            <a:spLocks noGrp="1"/>
+          </p:cNvSpPr>
+          <p:nvPr>
+            <p:ph type="title"/>
+          </p:nvPr>
+        </p:nvSpPr>
+        <p:spPr/>
+        <p:txBody>
+          <a:bodyPr/>
+          <a:lstStyle/>
+          <a:p>
+            <a:pPr algn="ctr"/>
+            <a:r>
+              <a:rPr lang="en-US" dirty="0">
+                <a:solidFill>
+                  <a:schemeClr val="tx1"/>
+                </a:solidFill>
+                <a:latin typeface="Times New Roman"/>
+                <a:cs typeface="Times New Roman"/>
+              </a:rPr>
+              <a:t>Exercise Two Part One</a:t>
+            </a:r>
+            <a:endParaRPr lang="en-US" dirty="0">
+              <a:solidFill>
+                <a:schemeClr val="tx1"/>
+              </a:solidFill>
+            </a:endParaRPr>
+          </a:p>
+        </p:txBody>
+      </p:sp>
+    </p:spTree>
+    <p:extLst>
+      <p:ext uri="{BB962C8B-B14F-4D97-AF65-F5344CB8AC3E}">
+        <p14:creationId xmlns:p14="http://schemas.microsoft.com/office/powerpoint/2010/main" val="2805121550"/>
+      </p:ext>
+    </p:extLst>
+  </p:cSld>
+  <p:clrMapOvr>
+    <a:masterClrMapping/>
+  </p:clrMapOvr>
+  <mc:AlternateContent xmlns:mc="http://schemas.openxmlformats.org/markup-compatibility/2006">
+    <mc:Choice xmlns:p14="http://schemas.microsoft.com/office/powerpoint/2010/main" Requires="p14">
+      <p:transition spd="med" p14:dur="700">
+        <p:fade/>
+      </p:transition>
+    </mc:Choice>
+    <mc:Fallback>
+      <p:transition spd="med">
+        <p:fade/>
+      </p:transition>
+    </mc:Fallback>
+  </mc:AlternateContent>
+</p:sld>
+</file>
+
+<file path=ppt/slides/slide15.xml><?xml version="1.0" encoding="utf-8"?>
+<p:sld xmlns:a="http://schemas.openxmlformats.org/drawingml/2006/main" xmlns:r="http://schemas.openxmlformats.org/officeDocument/2006/relationships" xmlns:p="http://schemas.openxmlformats.org/presentationml/2006/main">
+  <p:cSld>
+    <p:spTree>
+      <p:nvGrpSpPr>
+        <p:cNvPr id="1" name=""/>
+        <p:cNvGrpSpPr/>
+        <p:nvPr/>
+      </p:nvGrpSpPr>
+      <p:grpSpPr>
+        <a:xfrm>
+          <a:off x="0" y="0"/>
+          <a:ext cx="0" cy="0"/>
+          <a:chOff x="0" y="0"/>
+          <a:chExt cx="0" cy="0"/>
+        </a:xfrm>
+      </p:grpSpPr>
+      <p:sp>
+        <p:nvSpPr>
+          <p:cNvPr id="2" name="Content Placeholder 1">
+            <a:extLst>
+              <a:ext uri="{FF2B5EF4-FFF2-40B4-BE49-F238E27FC236}">
                 <a16:creationId xmlns:a16="http://schemas.microsoft.com/office/drawing/2014/main" id="{0D19A316-23CE-E67B-376D-D0591410277E}"/>
               </a:ext>
             </a:extLst>
@@ -3347,7 +3958,7 @@
               </a:rPr>
               <a:t>for x in years:</a:t>
             </a:r>
-            <a:endParaRPr lang="en-US">
+            <a:endParaRPr lang="en-US" dirty="0">
               <a:solidFill>
                 <a:schemeClr val="tx1"/>
               </a:solidFill>
@@ -3484,7 +4095,7 @@
 </p:sld>
 </file>
 
-<file path=ppt/slides/slide14.xml><?xml version="1.0" encoding="utf-8"?>
+<file path=ppt/slides/slide16.xml><?xml version="1.0" encoding="utf-8"?>
 <p:sld xmlns:a="http://schemas.openxmlformats.org/drawingml/2006/main" xmlns:r="http://schemas.openxmlformats.org/officeDocument/2006/relationships" xmlns:p="http://schemas.openxmlformats.org/presentationml/2006/main">
   <p:cSld>
     <p:spTree>
@@ -3656,140 +4267,7 @@
       </p:grpSpPr>
       <p:sp>
         <p:nvSpPr>
-          <p:cNvPr id="2" name="Content Placeholder 1">
-            <a:extLst>
-              <a:ext uri="{FF2B5EF4-FFF2-40B4-BE49-F238E27FC236}">
-                <a16:creationId xmlns:a16="http://schemas.microsoft.com/office/drawing/2014/main" id="{D2D45C9C-6129-F752-2C70-AEFA818F1CB8}"/>
-              </a:ext>
-            </a:extLst>
-          </p:cNvPr>
-          <p:cNvSpPr>
-            <a:spLocks noGrp="1"/>
-          </p:cNvSpPr>
-          <p:nvPr>
-            <p:ph idx="1"/>
-          </p:nvPr>
-        </p:nvSpPr>
-        <p:spPr/>
-        <p:txBody>
-          <a:bodyPr vert="horz" lIns="91440" tIns="45720" rIns="91440" bIns="45720" rtlCol="0" anchor="t">
-            <a:normAutofit/>
-          </a:bodyPr>
-          <a:lstStyle/>
-          <a:p>
-            <a:pPr marL="0" indent="0">
-              <a:buNone/>
-            </a:pPr>
-            <a:r>
-              <a:rPr lang="en-US" dirty="0">
-                <a:solidFill>
-                  <a:schemeClr val="tx1"/>
-                </a:solidFill>
-                <a:latin typeface="Times New Roman"/>
-                <a:cs typeface="Arial"/>
-              </a:rPr>
-              <a:t>Download all data files from:</a:t>
-            </a:r>
-            <a:br>
-              <a:rPr lang="en-US" dirty="0">
-                <a:latin typeface="Arial"/>
-                <a:cs typeface="Arial"/>
-              </a:rPr>
-            </a:br>
-            <a:endParaRPr lang="en-US" dirty="0">
-              <a:latin typeface="Arial"/>
-              <a:cs typeface="Arial"/>
-            </a:endParaRPr>
-          </a:p>
-          <a:p>
-            <a:pPr marL="0" indent="0">
-              <a:buNone/>
-            </a:pPr>
-            <a:r>
-              <a:rPr lang="en-US" b="1" dirty="0">
-                <a:solidFill>
-                  <a:srgbClr val="FF0000"/>
-                </a:solidFill>
-              </a:rPr>
-              <a:t>https://</a:t>
-            </a:r>
-            <a:r>
-              <a:rPr lang="en-US" b="1" dirty="0" err="1">
-                <a:solidFill>
-                  <a:srgbClr val="FF0000"/>
-                </a:solidFill>
-              </a:rPr>
-              <a:t>github.com</a:t>
-            </a:r>
-            <a:r>
-              <a:rPr lang="en-US" b="1" dirty="0">
-                <a:solidFill>
-                  <a:srgbClr val="FF0000"/>
-                </a:solidFill>
-              </a:rPr>
-              <a:t>/</a:t>
-            </a:r>
-            <a:r>
-              <a:rPr lang="en-US" b="1" dirty="0" err="1">
-                <a:solidFill>
-                  <a:srgbClr val="FF0000"/>
-                </a:solidFill>
-              </a:rPr>
-              <a:t>ClaudiaECarroll</a:t>
-            </a:r>
-            <a:r>
-              <a:rPr lang="en-US" b="1" dirty="0">
-                <a:solidFill>
-                  <a:srgbClr val="FF0000"/>
-                </a:solidFill>
-              </a:rPr>
-              <a:t>/Fall_24_intro_python/tree/main/</a:t>
-            </a:r>
-            <a:r>
-              <a:rPr lang="en-US" b="1" dirty="0" err="1">
-                <a:solidFill>
-                  <a:srgbClr val="FF0000"/>
-                </a:solidFill>
-              </a:rPr>
-              <a:t>example_data</a:t>
-            </a:r>
-            <a:endParaRPr lang="en-US" b="1" dirty="0">
-              <a:solidFill>
-                <a:srgbClr val="FF0000"/>
-              </a:solidFill>
-            </a:endParaRPr>
-          </a:p>
-          <a:p>
-            <a:pPr marL="0" indent="0">
-              <a:buNone/>
-            </a:pPr>
-            <a:endParaRPr lang="en-US" b="1" dirty="0">
-              <a:solidFill>
-                <a:srgbClr val="FF0000"/>
-              </a:solidFill>
-            </a:endParaRPr>
-          </a:p>
-          <a:p>
-            <a:pPr marL="0" indent="0">
-              <a:buNone/>
-            </a:pPr>
-            <a:endParaRPr lang="en-US" b="1" dirty="0">
-              <a:solidFill>
-                <a:srgbClr val="FF0000"/>
-              </a:solidFill>
-            </a:endParaRPr>
-          </a:p>
-        </p:txBody>
-      </p:sp>
-      <p:sp>
-        <p:nvSpPr>
-          <p:cNvPr id="3" name="Title 2">
-            <a:extLst>
-              <a:ext uri="{FF2B5EF4-FFF2-40B4-BE49-F238E27FC236}">
-                <a16:creationId xmlns:a16="http://schemas.microsoft.com/office/drawing/2014/main" id="{5E582474-1F0E-8FB6-1E81-A56A550D7D49}"/>
-              </a:ext>
-            </a:extLst>
-          </p:cNvPr>
+          <p:cNvPr id="4" name="Title 3"/>
           <p:cNvSpPr>
             <a:spLocks noGrp="1"/>
           </p:cNvSpPr>
@@ -3802,21 +4280,97 @@
           <a:bodyPr/>
           <a:lstStyle/>
           <a:p>
+            <a:pPr algn="ctr"/>
             <a:r>
               <a:rPr lang="en-US" dirty="0">
+                <a:solidFill>
+                  <a:srgbClr val="000000"/>
+                </a:solidFill>
                 <a:latin typeface="Times New Roman"/>
                 <a:cs typeface="Times New Roman"/>
               </a:rPr>
-              <a:t>Example Data</a:t>
-            </a:r>
-            <a:endParaRPr lang="en-US" dirty="0"/>
+              <a:t>Today's Lesson</a:t>
+            </a:r>
+            <a:endParaRPr lang="en-US" dirty="0">
+              <a:solidFill>
+                <a:srgbClr val="000000"/>
+              </a:solidFill>
+            </a:endParaRPr>
+          </a:p>
+        </p:txBody>
+      </p:sp>
+      <p:sp>
+        <p:nvSpPr>
+          <p:cNvPr id="5" name="Content Placeholder 4"/>
+          <p:cNvSpPr>
+            <a:spLocks noGrp="1"/>
+          </p:cNvSpPr>
+          <p:nvPr>
+            <p:ph idx="1"/>
+          </p:nvPr>
+        </p:nvSpPr>
+        <p:spPr>
+          <a:xfrm>
+            <a:off x="482226" y="2311659"/>
+            <a:ext cx="8153774" cy="4066563"/>
+          </a:xfrm>
+        </p:spPr>
+        <p:txBody>
+          <a:bodyPr vert="horz" lIns="91440" tIns="45720" rIns="91440" bIns="45720" rtlCol="0" anchor="t">
+            <a:normAutofit/>
+          </a:bodyPr>
+          <a:lstStyle/>
+          <a:p>
+            <a:pPr marL="514350" indent="-514350">
+              <a:buAutoNum type="arabicPeriod"/>
+            </a:pPr>
+            <a:r>
+              <a:rPr lang="en-US" dirty="0">
+                <a:solidFill>
+                  <a:srgbClr val="000000"/>
+                </a:solidFill>
+                <a:latin typeface="Times New Roman"/>
+                <a:cs typeface="Times New Roman"/>
+              </a:rPr>
+              <a:t>Review Exercises</a:t>
+            </a:r>
+          </a:p>
+          <a:p>
+            <a:pPr marL="514350" indent="-514350">
+              <a:buAutoNum type="arabicPeriod"/>
+            </a:pPr>
+            <a:r>
+              <a:rPr lang="en-US" dirty="0">
+                <a:solidFill>
+                  <a:srgbClr val="000000"/>
+                </a:solidFill>
+                <a:latin typeface="Times New Roman"/>
+                <a:cs typeface="Times New Roman"/>
+              </a:rPr>
+              <a:t>Reading Files</a:t>
+            </a:r>
+          </a:p>
+          <a:p>
+            <a:pPr marL="514350" indent="-514350">
+              <a:buAutoNum type="arabicPeriod"/>
+            </a:pPr>
+            <a:r>
+              <a:rPr lang="en-US" dirty="0">
+                <a:solidFill>
+                  <a:srgbClr val="000000"/>
+                </a:solidFill>
+                <a:latin typeface="Times New Roman"/>
+                <a:cs typeface="Times New Roman"/>
+              </a:rPr>
+              <a:t>Reading spreadsheet files and analyzing tabular data</a:t>
+            </a:r>
           </a:p>
         </p:txBody>
       </p:sp>
     </p:spTree>
     <p:extLst>
       <p:ext uri="{BB962C8B-B14F-4D97-AF65-F5344CB8AC3E}">
-        <p14:creationId xmlns:p14="http://schemas.microsoft.com/office/powerpoint/2010/main" val="1647116308"/>
+        <p14:creationId xmlns:p14="http://schemas.microsoft.com/office/powerpoint/2010/main" val="1035593031"/>
       </p:ext>
     </p:extLst>
   </p:cSld>
@@ -3857,7 +4411,313 @@
       </p:grpSpPr>
       <p:sp>
         <p:nvSpPr>
-          <p:cNvPr id="4" name="Title 3"/>
+          <p:cNvPr id="2" name="Content Placeholder 1">
+            <a:extLst>
+              <a:ext uri="{FF2B5EF4-FFF2-40B4-BE49-F238E27FC236}">
+                <a16:creationId xmlns:a16="http://schemas.microsoft.com/office/drawing/2014/main" id="{AF8CAC97-09C1-F289-5BB4-FECF74E47E03}"/>
+              </a:ext>
+            </a:extLst>
+          </p:cNvPr>
+          <p:cNvSpPr>
+            <a:spLocks noGrp="1"/>
+          </p:cNvSpPr>
+          <p:nvPr>
+            <p:ph idx="1"/>
+          </p:nvPr>
+        </p:nvSpPr>
+        <p:spPr/>
+        <p:txBody>
+          <a:bodyPr vert="horz" lIns="91440" tIns="45720" rIns="91440" bIns="45720" rtlCol="0" anchor="t">
+            <a:normAutofit/>
+          </a:bodyPr>
+          <a:lstStyle/>
+          <a:p>
+            <a:pPr marL="0" indent="0">
+              <a:buNone/>
+            </a:pPr>
+            <a:r>
+              <a:rPr lang="en-US" sz="1800" dirty="0">
+                <a:solidFill>
+                  <a:schemeClr val="tx1"/>
+                </a:solidFill>
+                <a:latin typeface="Times New Roman"/>
+                <a:cs typeface="Times New Roman"/>
+              </a:rPr>
+              <a:t>Problem:</a:t>
+            </a:r>
+            <a:br>
+              <a:rPr lang="en-US" sz="1800" dirty="0">
+                <a:latin typeface="Times New Roman"/>
+                <a:cs typeface="Times New Roman"/>
+              </a:rPr>
+            </a:br>
+            <a:r>
+              <a:rPr lang="en-US" sz="1800" dirty="0">
+                <a:solidFill>
+                  <a:schemeClr val="tx1"/>
+                </a:solidFill>
+                <a:latin typeface="Times New Roman"/>
+                <a:cs typeface="Times New Roman"/>
+              </a:rPr>
+              <a:t>Using your humanities and sciences lists (copied below), write a for loop to compare the number of letters in each element of humanities with each word of sciences, printing the two words and the statement “These words have the same number of letters!” when there is a match for the number of letters</a:t>
+            </a:r>
+            <a:endParaRPr lang="en-US" sz="1800">
+              <a:solidFill>
+                <a:schemeClr val="tx1"/>
+              </a:solidFill>
+            </a:endParaRPr>
+          </a:p>
+          <a:p>
+            <a:pPr marL="0" indent="0">
+              <a:buNone/>
+            </a:pPr>
+            <a:endParaRPr lang="en-US" sz="1500" dirty="0">
+              <a:solidFill>
+                <a:schemeClr val="tx1"/>
+              </a:solidFill>
+              <a:latin typeface="Menlo"/>
+              <a:cs typeface="Arial"/>
+            </a:endParaRPr>
+          </a:p>
+          <a:p>
+            <a:pPr marL="0" indent="0">
+              <a:buNone/>
+            </a:pPr>
+            <a:endParaRPr lang="en-US" sz="1500" dirty="0">
+              <a:solidFill>
+                <a:schemeClr val="tx1"/>
+              </a:solidFill>
+              <a:latin typeface="Menlo"/>
+              <a:cs typeface="Arial"/>
+            </a:endParaRPr>
+          </a:p>
+          <a:p>
+            <a:pPr marL="0" indent="0">
+              <a:buNone/>
+            </a:pPr>
+            <a:r>
+              <a:rPr lang="en-US" sz="1500" dirty="0">
+                <a:solidFill>
+                  <a:schemeClr val="tx1"/>
+                </a:solidFill>
+                <a:latin typeface="Menlo"/>
+                <a:cs typeface="Arial"/>
+              </a:rPr>
+              <a:t>Solution:</a:t>
+            </a:r>
+          </a:p>
+          <a:p>
+            <a:pPr marL="0" indent="0">
+              <a:buNone/>
+            </a:pPr>
+            <a:endParaRPr lang="en-US" sz="1500" dirty="0">
+              <a:solidFill>
+                <a:schemeClr val="tx1"/>
+              </a:solidFill>
+              <a:latin typeface="Menlo"/>
+              <a:cs typeface="Arial"/>
+            </a:endParaRPr>
+          </a:p>
+          <a:p>
+            <a:pPr marL="0" indent="0">
+              <a:buNone/>
+            </a:pPr>
+            <a:r>
+              <a:rPr lang="en-US" sz="1500" b="0" dirty="0">
+                <a:solidFill>
+                  <a:schemeClr val="tx1"/>
+                </a:solidFill>
+                <a:effectLst/>
+                <a:latin typeface="Menlo"/>
+                <a:cs typeface="Arial"/>
+              </a:rPr>
+              <a:t>humanities = ["English", "History", "French", "Art History", "Philosophy"]</a:t>
+            </a:r>
+            <a:endParaRPr lang="en-US" dirty="0">
+              <a:solidFill>
+                <a:schemeClr val="tx1"/>
+              </a:solidFill>
+            </a:endParaRPr>
+          </a:p>
+          <a:p>
+            <a:pPr marL="0" indent="0">
+              <a:buNone/>
+            </a:pPr>
+            <a:r>
+              <a:rPr lang="en-US" sz="1500" b="0" dirty="0">
+                <a:solidFill>
+                  <a:schemeClr val="tx1"/>
+                </a:solidFill>
+                <a:effectLst/>
+                <a:latin typeface="Menlo"/>
+                <a:cs typeface="Arial"/>
+              </a:rPr>
+              <a:t>sciences = ["Biology", "Chemistry", "Neuroscience", "Physics", "Ecology"]</a:t>
+            </a:r>
+          </a:p>
+          <a:p>
+            <a:pPr marL="0" indent="0">
+              <a:buNone/>
+            </a:pPr>
+            <a:br>
+              <a:rPr lang="en-US" sz="1500" b="0" dirty="0">
+                <a:solidFill>
+                  <a:schemeClr val="tx1"/>
+                </a:solidFill>
+                <a:effectLst/>
+                <a:latin typeface="Menlo" panose="020B0609030804020204" pitchFamily="49" charset="0"/>
+              </a:rPr>
+            </a:br>
+            <a:r>
+              <a:rPr lang="en-US" sz="1500" b="0" dirty="0">
+                <a:solidFill>
+                  <a:schemeClr val="tx1"/>
+                </a:solidFill>
+                <a:effectLst/>
+                <a:latin typeface="Menlo" panose="020B0609030804020204" pitchFamily="49" charset="0"/>
+              </a:rPr>
+              <a:t>for x in humanities:</a:t>
+            </a:r>
+          </a:p>
+          <a:p>
+            <a:pPr marL="0" indent="0">
+              <a:buNone/>
+            </a:pPr>
+            <a:r>
+              <a:rPr lang="en-US" sz="1500" dirty="0">
+                <a:solidFill>
+                  <a:schemeClr val="tx1"/>
+                </a:solidFill>
+                <a:latin typeface="Menlo"/>
+                <a:cs typeface="Arial"/>
+              </a:rPr>
+              <a:t>  </a:t>
+            </a:r>
+            <a:r>
+              <a:rPr lang="en-US" sz="1500" b="0" dirty="0">
+                <a:solidFill>
+                  <a:schemeClr val="tx1"/>
+                </a:solidFill>
+                <a:effectLst/>
+                <a:latin typeface="Menlo"/>
+                <a:cs typeface="Arial"/>
+              </a:rPr>
+              <a:t>for y in sciences:</a:t>
+            </a:r>
+          </a:p>
+          <a:p>
+            <a:pPr marL="0" indent="0">
+              <a:buNone/>
+            </a:pPr>
+            <a:r>
+              <a:rPr lang="en-US" sz="1500" dirty="0">
+                <a:solidFill>
+                  <a:schemeClr val="tx1"/>
+                </a:solidFill>
+                <a:latin typeface="Menlo"/>
+                <a:cs typeface="Arial"/>
+              </a:rPr>
+              <a:t>    if</a:t>
+            </a:r>
+            <a:r>
+              <a:rPr lang="en-US" sz="1500" b="0" dirty="0">
+                <a:solidFill>
+                  <a:schemeClr val="tx1"/>
+                </a:solidFill>
+                <a:effectLst/>
+                <a:latin typeface="Menlo"/>
+                <a:cs typeface="Arial"/>
+              </a:rPr>
+              <a:t> </a:t>
+            </a:r>
+            <a:r>
+              <a:rPr lang="en-US" sz="1500" b="0" dirty="0" err="1">
+                <a:solidFill>
+                  <a:schemeClr val="tx1"/>
+                </a:solidFill>
+                <a:effectLst/>
+                <a:latin typeface="Menlo"/>
+                <a:cs typeface="Arial"/>
+              </a:rPr>
+              <a:t>len</a:t>
+            </a:r>
+            <a:r>
+              <a:rPr lang="en-US" sz="1500" b="0" dirty="0">
+                <a:solidFill>
+                  <a:schemeClr val="tx1"/>
+                </a:solidFill>
+                <a:effectLst/>
+                <a:latin typeface="Menlo"/>
+                <a:cs typeface="Arial"/>
+              </a:rPr>
+              <a:t>(x) == </a:t>
+            </a:r>
+            <a:r>
+              <a:rPr lang="en-US" sz="1500" b="0" dirty="0" err="1">
+                <a:solidFill>
+                  <a:schemeClr val="tx1"/>
+                </a:solidFill>
+                <a:effectLst/>
+                <a:latin typeface="Menlo"/>
+                <a:cs typeface="Arial"/>
+              </a:rPr>
+              <a:t>len</a:t>
+            </a:r>
+            <a:r>
+              <a:rPr lang="en-US" sz="1500" b="0" dirty="0">
+                <a:solidFill>
+                  <a:schemeClr val="tx1"/>
+                </a:solidFill>
+                <a:effectLst/>
+                <a:latin typeface="Menlo"/>
+                <a:cs typeface="Arial"/>
+              </a:rPr>
+              <a:t>(y):</a:t>
+            </a:r>
+          </a:p>
+          <a:p>
+            <a:pPr marL="0" indent="0">
+              <a:buNone/>
+            </a:pPr>
+            <a:r>
+              <a:rPr lang="en-US" sz="1500" dirty="0">
+                <a:solidFill>
+                  <a:schemeClr val="tx1"/>
+                </a:solidFill>
+                <a:latin typeface="Menlo"/>
+                <a:cs typeface="Arial"/>
+              </a:rPr>
+              <a:t>       </a:t>
+            </a:r>
+            <a:r>
+              <a:rPr lang="en-US" sz="1500" b="0" dirty="0">
+                <a:solidFill>
+                  <a:schemeClr val="tx1"/>
+                </a:solidFill>
+                <a:effectLst/>
+                <a:latin typeface="Menlo"/>
+                <a:cs typeface="Arial"/>
+              </a:rPr>
+              <a:t>print(x, y, "These words have the same number of letters!")</a:t>
+            </a:r>
+          </a:p>
+          <a:p>
+            <a:pPr marL="0" indent="0">
+              <a:buNone/>
+            </a:pPr>
+            <a:endParaRPr lang="en-US" dirty="0"/>
+          </a:p>
+        </p:txBody>
+      </p:sp>
+      <p:sp>
+        <p:nvSpPr>
+          <p:cNvPr id="3" name="Title 2">
+            <a:extLst>
+              <a:ext uri="{FF2B5EF4-FFF2-40B4-BE49-F238E27FC236}">
+                <a16:creationId xmlns:a16="http://schemas.microsoft.com/office/drawing/2014/main" id="{4386B63B-A388-4C4F-410F-9124222F296F}"/>
+              </a:ext>
+            </a:extLst>
+          </p:cNvPr>
           <p:cNvSpPr>
             <a:spLocks noGrp="1"/>
           </p:cNvSpPr>
@@ -3874,85 +4734,10 @@
             <a:r>
               <a:rPr lang="en-US" dirty="0">
                 <a:solidFill>
-                  <a:srgbClr val="000000"/>
-                </a:solidFill>
-                <a:latin typeface="Times New Roman"/>
-                <a:cs typeface="Times New Roman"/>
-              </a:rPr>
-              <a:t>Today's Lesson</a:t>
-            </a:r>
-            <a:endParaRPr lang="en-US" dirty="0">
-              <a:solidFill>
-                <a:srgbClr val="000000"/>
-              </a:solidFill>
-            </a:endParaRPr>
-          </a:p>
-        </p:txBody>
-      </p:sp>
-      <p:sp>
-        <p:nvSpPr>
-          <p:cNvPr id="5" name="Content Placeholder 4"/>
-          <p:cNvSpPr>
-            <a:spLocks noGrp="1"/>
-          </p:cNvSpPr>
-          <p:nvPr>
-            <p:ph idx="1"/>
-          </p:nvPr>
-        </p:nvSpPr>
-        <p:spPr>
-          <a:xfrm>
-            <a:off x="482226" y="2311659"/>
-            <a:ext cx="8153774" cy="4066563"/>
-          </a:xfrm>
-        </p:spPr>
-        <p:txBody>
-          <a:bodyPr vert="horz" lIns="91440" tIns="45720" rIns="91440" bIns="45720" rtlCol="0" anchor="t">
-            <a:normAutofit/>
-          </a:bodyPr>
-          <a:lstStyle/>
-          <a:p>
-            <a:pPr marL="514350" indent="-514350">
-              <a:buAutoNum type="arabicPeriod"/>
-            </a:pPr>
-            <a:r>
-              <a:rPr lang="en-US" dirty="0">
-                <a:solidFill>
-                  <a:srgbClr val="000000"/>
-                </a:solidFill>
-                <a:latin typeface="Times New Roman"/>
-                <a:cs typeface="Times New Roman"/>
-              </a:rPr>
-              <a:t>Review Exercises</a:t>
-            </a:r>
-          </a:p>
-          <a:p>
-            <a:pPr marL="514350" indent="-514350">
-              <a:buAutoNum type="arabicPeriod"/>
-            </a:pPr>
-            <a:r>
-              <a:rPr lang="en-US" dirty="0">
-                <a:solidFill>
-                  <a:srgbClr val="000000"/>
-                </a:solidFill>
-                <a:latin typeface="Times New Roman"/>
-                <a:cs typeface="Times New Roman"/>
-              </a:rPr>
-              <a:t>Reading Files</a:t>
-            </a:r>
-          </a:p>
-          <a:p>
-            <a:pPr marL="514350" indent="-514350">
-              <a:buAutoNum type="arabicPeriod"/>
-            </a:pPr>
-            <a:r>
-              <a:rPr lang="en-US" dirty="0">
-                <a:solidFill>
-                  <a:srgbClr val="000000"/>
-                </a:solidFill>
-                <a:latin typeface="Times New Roman"/>
-                <a:cs typeface="Times New Roman"/>
-              </a:rPr>
-              <a:t>Reading spreadsheet files and analyzing tabular data</a:t>
+                  <a:schemeClr val="tx1"/>
+                </a:solidFill>
+              </a:rPr>
+              <a:t>Solution Part 3</a:t>
             </a:r>
           </a:p>
         </p:txBody>
@@ -3960,7 +4745,7 @@
     </p:spTree>
     <p:extLst>
       <p:ext uri="{BB962C8B-B14F-4D97-AF65-F5344CB8AC3E}">
-        <p14:creationId xmlns:p14="http://schemas.microsoft.com/office/powerpoint/2010/main" val="1035593031"/>
+        <p14:creationId xmlns:p14="http://schemas.microsoft.com/office/powerpoint/2010/main" val="2558038893"/>
       </p:ext>
     </p:extLst>
   </p:cSld>
@@ -4004,493 +4789,6 @@
           <p:cNvPr id="2" name="Content Placeholder 1">
             <a:extLst>
               <a:ext uri="{FF2B5EF4-FFF2-40B4-BE49-F238E27FC236}">
-                <a16:creationId xmlns:a16="http://schemas.microsoft.com/office/drawing/2014/main" id="{AF8CAC97-09C1-F289-5BB4-FECF74E47E03}"/>
-              </a:ext>
-            </a:extLst>
-          </p:cNvPr>
-          <p:cNvSpPr>
-            <a:spLocks noGrp="1"/>
-          </p:cNvSpPr>
-          <p:nvPr>
-            <p:ph idx="1"/>
-          </p:nvPr>
-        </p:nvSpPr>
-        <p:spPr/>
-        <p:txBody>
-          <a:bodyPr vert="horz" lIns="91440" tIns="45720" rIns="91440" bIns="45720" rtlCol="0" anchor="t">
-            <a:normAutofit/>
-          </a:bodyPr>
-          <a:lstStyle/>
-          <a:p>
-            <a:pPr marL="0" indent="0">
-              <a:buNone/>
-            </a:pPr>
-            <a:r>
-              <a:rPr lang="en-US" sz="1800" dirty="0">
-                <a:solidFill>
-                  <a:schemeClr val="tx1"/>
-                </a:solidFill>
-                <a:latin typeface="Times New Roman"/>
-                <a:cs typeface="Times New Roman"/>
-              </a:rPr>
-              <a:t>Problem:</a:t>
-            </a:r>
-            <a:br>
-              <a:rPr lang="en-US" sz="1800" dirty="0">
-                <a:latin typeface="Times New Roman"/>
-                <a:cs typeface="Times New Roman"/>
-              </a:rPr>
-            </a:br>
-            <a:r>
-              <a:rPr lang="en-US" sz="1800" dirty="0">
-                <a:solidFill>
-                  <a:schemeClr val="tx1"/>
-                </a:solidFill>
-                <a:latin typeface="Times New Roman"/>
-                <a:cs typeface="Times New Roman"/>
-              </a:rPr>
-              <a:t>Using your humanities and sciences lists (copied below), write a for loop to compare the number of letters in each element of humanities with each word of sciences, printing the two words and the statement “These words have the same number of letters!” when there is a match for the number of letters</a:t>
-            </a:r>
-            <a:endParaRPr lang="en-US" sz="1800">
-              <a:solidFill>
-                <a:schemeClr val="tx1"/>
-              </a:solidFill>
-            </a:endParaRPr>
-          </a:p>
-          <a:p>
-            <a:pPr marL="0" indent="0">
-              <a:buNone/>
-            </a:pPr>
-            <a:endParaRPr lang="en-US" sz="1500" dirty="0">
-              <a:solidFill>
-                <a:schemeClr val="tx1"/>
-              </a:solidFill>
-              <a:latin typeface="Menlo"/>
-              <a:cs typeface="Arial"/>
-            </a:endParaRPr>
-          </a:p>
-          <a:p>
-            <a:pPr marL="0" indent="0">
-              <a:buNone/>
-            </a:pPr>
-            <a:endParaRPr lang="en-US" sz="1500" dirty="0">
-              <a:solidFill>
-                <a:schemeClr val="tx1"/>
-              </a:solidFill>
-              <a:latin typeface="Menlo"/>
-              <a:cs typeface="Arial"/>
-            </a:endParaRPr>
-          </a:p>
-          <a:p>
-            <a:pPr marL="0" indent="0">
-              <a:buNone/>
-            </a:pPr>
-            <a:r>
-              <a:rPr lang="en-US" sz="1500" dirty="0">
-                <a:solidFill>
-                  <a:schemeClr val="tx1"/>
-                </a:solidFill>
-                <a:latin typeface="Menlo"/>
-                <a:cs typeface="Arial"/>
-              </a:rPr>
-              <a:t>Solution:</a:t>
-            </a:r>
-          </a:p>
-          <a:p>
-            <a:pPr marL="0" indent="0">
-              <a:buNone/>
-            </a:pPr>
-            <a:endParaRPr lang="en-US" sz="1500" dirty="0">
-              <a:solidFill>
-                <a:schemeClr val="tx1"/>
-              </a:solidFill>
-              <a:latin typeface="Menlo"/>
-              <a:cs typeface="Arial"/>
-            </a:endParaRPr>
-          </a:p>
-          <a:p>
-            <a:pPr marL="0" indent="0">
-              <a:buNone/>
-            </a:pPr>
-            <a:r>
-              <a:rPr lang="en-US" sz="1500" b="0" dirty="0">
-                <a:solidFill>
-                  <a:schemeClr val="tx1"/>
-                </a:solidFill>
-                <a:effectLst/>
-                <a:latin typeface="Menlo"/>
-                <a:cs typeface="Arial"/>
-              </a:rPr>
-              <a:t>humanities = ["English", "History", "French", "Art History", "Philosophy"]</a:t>
-            </a:r>
-            <a:endParaRPr lang="en-US" dirty="0">
-              <a:solidFill>
-                <a:schemeClr val="tx1"/>
-              </a:solidFill>
-            </a:endParaRPr>
-          </a:p>
-          <a:p>
-            <a:pPr marL="0" indent="0">
-              <a:buNone/>
-            </a:pPr>
-            <a:r>
-              <a:rPr lang="en-US" sz="1500" b="0" dirty="0">
-                <a:solidFill>
-                  <a:schemeClr val="tx1"/>
-                </a:solidFill>
-                <a:effectLst/>
-                <a:latin typeface="Menlo"/>
-                <a:cs typeface="Arial"/>
-              </a:rPr>
-              <a:t>sciences = ["Biology", "Chemistry", "Neuroscience", "Physics", "Ecology"]</a:t>
-            </a:r>
-          </a:p>
-          <a:p>
-            <a:pPr marL="0" indent="0">
-              <a:buNone/>
-            </a:pPr>
-            <a:br>
-              <a:rPr lang="en-US" sz="1500" b="0" dirty="0">
-                <a:solidFill>
-                  <a:schemeClr val="tx1"/>
-                </a:solidFill>
-                <a:effectLst/>
-                <a:latin typeface="Menlo" panose="020B0609030804020204" pitchFamily="49" charset="0"/>
-              </a:rPr>
-            </a:br>
-            <a:r>
-              <a:rPr lang="en-US" sz="1500" b="0" dirty="0">
-                <a:solidFill>
-                  <a:schemeClr val="tx1"/>
-                </a:solidFill>
-                <a:effectLst/>
-                <a:latin typeface="Menlo" panose="020B0609030804020204" pitchFamily="49" charset="0"/>
-              </a:rPr>
-              <a:t>for x in humanities:</a:t>
-            </a:r>
-          </a:p>
-          <a:p>
-            <a:pPr marL="0" indent="0">
-              <a:buNone/>
-            </a:pPr>
-            <a:r>
-              <a:rPr lang="en-US" sz="1500" dirty="0">
-                <a:solidFill>
-                  <a:schemeClr val="tx1"/>
-                </a:solidFill>
-                <a:latin typeface="Menlo"/>
-                <a:cs typeface="Arial"/>
-              </a:rPr>
-              <a:t>  </a:t>
-            </a:r>
-            <a:r>
-              <a:rPr lang="en-US" sz="1500" b="0" dirty="0">
-                <a:solidFill>
-                  <a:schemeClr val="tx1"/>
-                </a:solidFill>
-                <a:effectLst/>
-                <a:latin typeface="Menlo"/>
-                <a:cs typeface="Arial"/>
-              </a:rPr>
-              <a:t>for y in sciences:</a:t>
-            </a:r>
-          </a:p>
-          <a:p>
-            <a:pPr marL="0" indent="0">
-              <a:buNone/>
-            </a:pPr>
-            <a:r>
-              <a:rPr lang="en-US" sz="1500" dirty="0">
-                <a:solidFill>
-                  <a:schemeClr val="tx1"/>
-                </a:solidFill>
-                <a:latin typeface="Menlo"/>
-                <a:cs typeface="Arial"/>
-              </a:rPr>
-              <a:t>    if</a:t>
-            </a:r>
-            <a:r>
-              <a:rPr lang="en-US" sz="1500" b="0" dirty="0">
-                <a:solidFill>
-                  <a:schemeClr val="tx1"/>
-                </a:solidFill>
-                <a:effectLst/>
-                <a:latin typeface="Menlo"/>
-                <a:cs typeface="Arial"/>
-              </a:rPr>
-              <a:t> </a:t>
-            </a:r>
-            <a:r>
-              <a:rPr lang="en-US" sz="1500" b="0" dirty="0" err="1">
-                <a:solidFill>
-                  <a:schemeClr val="tx1"/>
-                </a:solidFill>
-                <a:effectLst/>
-                <a:latin typeface="Menlo"/>
-                <a:cs typeface="Arial"/>
-              </a:rPr>
-              <a:t>len</a:t>
-            </a:r>
-            <a:r>
-              <a:rPr lang="en-US" sz="1500" b="0" dirty="0">
-                <a:solidFill>
-                  <a:schemeClr val="tx1"/>
-                </a:solidFill>
-                <a:effectLst/>
-                <a:latin typeface="Menlo"/>
-                <a:cs typeface="Arial"/>
-              </a:rPr>
-              <a:t>(x) == </a:t>
-            </a:r>
-            <a:r>
-              <a:rPr lang="en-US" sz="1500" b="0" dirty="0" err="1">
-                <a:solidFill>
-                  <a:schemeClr val="tx1"/>
-                </a:solidFill>
-                <a:effectLst/>
-                <a:latin typeface="Menlo"/>
-                <a:cs typeface="Arial"/>
-              </a:rPr>
-              <a:t>len</a:t>
-            </a:r>
-            <a:r>
-              <a:rPr lang="en-US" sz="1500" b="0" dirty="0">
-                <a:solidFill>
-                  <a:schemeClr val="tx1"/>
-                </a:solidFill>
-                <a:effectLst/>
-                <a:latin typeface="Menlo"/>
-                <a:cs typeface="Arial"/>
-              </a:rPr>
-              <a:t>(y):</a:t>
-            </a:r>
-          </a:p>
-          <a:p>
-            <a:pPr marL="0" indent="0">
-              <a:buNone/>
-            </a:pPr>
-            <a:r>
-              <a:rPr lang="en-US" sz="1500" dirty="0">
-                <a:solidFill>
-                  <a:schemeClr val="tx1"/>
-                </a:solidFill>
-                <a:latin typeface="Menlo"/>
-                <a:cs typeface="Arial"/>
-              </a:rPr>
-              <a:t>       </a:t>
-            </a:r>
-            <a:r>
-              <a:rPr lang="en-US" sz="1500" b="0" dirty="0">
-                <a:solidFill>
-                  <a:schemeClr val="tx1"/>
-                </a:solidFill>
-                <a:effectLst/>
-                <a:latin typeface="Menlo"/>
-                <a:cs typeface="Arial"/>
-              </a:rPr>
-              <a:t>print(x, y, "These words have the same number of letters!")</a:t>
-            </a:r>
-          </a:p>
-          <a:p>
-            <a:pPr marL="0" indent="0">
-              <a:buNone/>
-            </a:pPr>
-            <a:endParaRPr lang="en-US" dirty="0"/>
-          </a:p>
-        </p:txBody>
-      </p:sp>
-      <p:sp>
-        <p:nvSpPr>
-          <p:cNvPr id="3" name="Title 2">
-            <a:extLst>
-              <a:ext uri="{FF2B5EF4-FFF2-40B4-BE49-F238E27FC236}">
-                <a16:creationId xmlns:a16="http://schemas.microsoft.com/office/drawing/2014/main" id="{4386B63B-A388-4C4F-410F-9124222F296F}"/>
-              </a:ext>
-            </a:extLst>
-          </p:cNvPr>
-          <p:cNvSpPr>
-            <a:spLocks noGrp="1"/>
-          </p:cNvSpPr>
-          <p:nvPr>
-            <p:ph type="title"/>
-          </p:nvPr>
-        </p:nvSpPr>
-        <p:spPr/>
-        <p:txBody>
-          <a:bodyPr/>
-          <a:lstStyle/>
-          <a:p>
-            <a:pPr algn="ctr"/>
-            <a:r>
-              <a:rPr lang="en-US" dirty="0">
-                <a:solidFill>
-                  <a:schemeClr val="tx1"/>
-                </a:solidFill>
-              </a:rPr>
-              <a:t>Solution Part 3</a:t>
-            </a:r>
-          </a:p>
-        </p:txBody>
-      </p:sp>
-    </p:spTree>
-    <p:extLst>
-      <p:ext uri="{BB962C8B-B14F-4D97-AF65-F5344CB8AC3E}">
-        <p14:creationId xmlns:p14="http://schemas.microsoft.com/office/powerpoint/2010/main" val="2558038893"/>
-      </p:ext>
-    </p:extLst>
-  </p:cSld>
-  <p:clrMapOvr>
-    <a:masterClrMapping/>
-  </p:clrMapOvr>
-  <mc:AlternateContent xmlns:mc="http://schemas.openxmlformats.org/markup-compatibility/2006" xmlns:p14="http://schemas.microsoft.com/office/powerpoint/2010/main">
-    <mc:Choice Requires="p14">
-      <p:transition spd="med" p14:dur="700">
-        <p:fade/>
-      </p:transition>
-    </mc:Choice>
-    <mc:Fallback xmlns="">
-      <p:transition spd="med">
-        <p:fade/>
-      </p:transition>
-    </mc:Fallback>
-  </mc:AlternateContent>
-</p:sld>
-</file>
-
-<file path=ppt/slides/slide5.xml><?xml version="1.0" encoding="utf-8"?>
-<p:sld xmlns:a="http://schemas.openxmlformats.org/drawingml/2006/main" xmlns:r="http://schemas.openxmlformats.org/officeDocument/2006/relationships" xmlns:p="http://schemas.openxmlformats.org/presentationml/2006/main">
-  <p:cSld>
-    <p:spTree>
-      <p:nvGrpSpPr>
-        <p:cNvPr id="1" name=""/>
-        <p:cNvGrpSpPr/>
-        <p:nvPr/>
-      </p:nvGrpSpPr>
-      <p:grpSpPr>
-        <a:xfrm>
-          <a:off x="0" y="0"/>
-          <a:ext cx="0" cy="0"/>
-          <a:chOff x="0" y="0"/>
-          <a:chExt cx="0" cy="0"/>
-        </a:xfrm>
-      </p:grpSpPr>
-      <p:sp>
-        <p:nvSpPr>
-          <p:cNvPr id="2" name="Title 1">
-            <a:extLst>
-              <a:ext uri="{FF2B5EF4-FFF2-40B4-BE49-F238E27FC236}">
-                <a16:creationId xmlns:a16="http://schemas.microsoft.com/office/drawing/2014/main" id="{EEB885C7-5C5F-4B4B-C306-9099591E7DB0}"/>
-              </a:ext>
-            </a:extLst>
-          </p:cNvPr>
-          <p:cNvSpPr>
-            <a:spLocks noGrp="1"/>
-          </p:cNvSpPr>
-          <p:nvPr>
-            <p:ph type="ctrTitle"/>
-          </p:nvPr>
-        </p:nvSpPr>
-        <p:spPr/>
-        <p:txBody>
-          <a:bodyPr/>
-          <a:lstStyle/>
-          <a:p>
-            <a:r>
-              <a:rPr lang="en-US" dirty="0">
-                <a:latin typeface="Times New Roman"/>
-                <a:cs typeface="Times New Roman"/>
-              </a:rPr>
-              <a:t>Demo One</a:t>
-            </a:r>
-            <a:endParaRPr lang="en-US" dirty="0"/>
-          </a:p>
-        </p:txBody>
-      </p:sp>
-      <p:sp>
-        <p:nvSpPr>
-          <p:cNvPr id="3" name="Subtitle 2">
-            <a:extLst>
-              <a:ext uri="{FF2B5EF4-FFF2-40B4-BE49-F238E27FC236}">
-                <a16:creationId xmlns:a16="http://schemas.microsoft.com/office/drawing/2014/main" id="{343E47E9-BB9C-DA18-0D9E-CAF15D0DDD3C}"/>
-              </a:ext>
-            </a:extLst>
-          </p:cNvPr>
-          <p:cNvSpPr>
-            <a:spLocks noGrp="1"/>
-          </p:cNvSpPr>
-          <p:nvPr>
-            <p:ph type="subTitle" idx="1"/>
-          </p:nvPr>
-        </p:nvSpPr>
-        <p:spPr>
-          <a:xfrm>
-            <a:off x="550733" y="3596777"/>
-            <a:ext cx="4987877" cy="1064292"/>
-          </a:xfrm>
-        </p:spPr>
-        <p:txBody>
-          <a:bodyPr vert="horz" lIns="91440" tIns="45720" rIns="91440" bIns="45720" rtlCol="0" anchor="t">
-            <a:normAutofit/>
-          </a:bodyPr>
-          <a:lstStyle/>
-          <a:p>
-            <a:r>
-              <a:rPr lang="en-US" dirty="0">
-                <a:latin typeface="Times New Roman"/>
-                <a:cs typeface="Times New Roman"/>
-              </a:rPr>
-              <a:t>Opening, reading and writing text files</a:t>
-            </a:r>
-          </a:p>
-        </p:txBody>
-      </p:sp>
-    </p:spTree>
-    <p:extLst>
-      <p:ext uri="{BB962C8B-B14F-4D97-AF65-F5344CB8AC3E}">
-        <p14:creationId xmlns:p14="http://schemas.microsoft.com/office/powerpoint/2010/main" val="345653242"/>
-      </p:ext>
-    </p:extLst>
-  </p:cSld>
-  <p:clrMapOvr>
-    <a:masterClrMapping/>
-  </p:clrMapOvr>
-  <mc:AlternateContent xmlns:mc="http://schemas.openxmlformats.org/markup-compatibility/2006" xmlns:p14="http://schemas.microsoft.com/office/powerpoint/2010/main">
-    <mc:Choice Requires="p14">
-      <p:transition spd="med" p14:dur="700">
-        <p:fade/>
-      </p:transition>
-    </mc:Choice>
-    <mc:Fallback xmlns="">
-      <p:transition spd="med">
-        <p:fade/>
-      </p:transition>
-    </mc:Fallback>
-  </mc:AlternateContent>
-</p:sld>
-</file>
-
-<file path=ppt/slides/slide6.xml><?xml version="1.0" encoding="utf-8"?>
-<p:sld xmlns:a="http://schemas.openxmlformats.org/drawingml/2006/main" xmlns:r="http://schemas.openxmlformats.org/officeDocument/2006/relationships" xmlns:p="http://schemas.openxmlformats.org/presentationml/2006/main">
-  <p:cSld>
-    <p:spTree>
-      <p:nvGrpSpPr>
-        <p:cNvPr id="1" name=""/>
-        <p:cNvGrpSpPr/>
-        <p:nvPr/>
-      </p:nvGrpSpPr>
-      <p:grpSpPr>
-        <a:xfrm>
-          <a:off x="0" y="0"/>
-          <a:ext cx="0" cy="0"/>
-          <a:chOff x="0" y="0"/>
-          <a:chExt cx="0" cy="0"/>
-        </a:xfrm>
-      </p:grpSpPr>
-      <p:sp>
-        <p:nvSpPr>
-          <p:cNvPr id="2" name="Content Placeholder 1">
-            <a:extLst>
-              <a:ext uri="{FF2B5EF4-FFF2-40B4-BE49-F238E27FC236}">
                 <a16:creationId xmlns:a16="http://schemas.microsoft.com/office/drawing/2014/main" id="{B86C6197-0FE4-E265-0969-260C78A1A554}"/>
               </a:ext>
             </a:extLst>
@@ -4704,7 +5002,7 @@
 </p:sld>
 </file>
 
-<file path=ppt/slides/slide7.xml><?xml version="1.0" encoding="utf-8"?>
+<file path=ppt/slides/slide5.xml><?xml version="1.0" encoding="utf-8"?>
 <p:sld xmlns:a="http://schemas.openxmlformats.org/drawingml/2006/main" xmlns:r="http://schemas.openxmlformats.org/officeDocument/2006/relationships" xmlns:p="http://schemas.openxmlformats.org/presentationml/2006/main">
   <p:cSld>
     <p:spTree>
@@ -4816,7 +5114,7 @@
 </p:sld>
 </file>
 
-<file path=ppt/slides/slide8.xml><?xml version="1.0" encoding="utf-8"?>
+<file path=ppt/slides/slide6.xml><?xml version="1.0" encoding="utf-8"?>
 <p:sld xmlns:a="http://schemas.openxmlformats.org/drawingml/2006/main" xmlns:r="http://schemas.openxmlformats.org/officeDocument/2006/relationships" xmlns:p="http://schemas.openxmlformats.org/presentationml/2006/main">
   <p:cSld>
     <p:spTree>
@@ -4995,6 +5293,319 @@
     <p:extLst>
       <p:ext uri="{BB962C8B-B14F-4D97-AF65-F5344CB8AC3E}">
         <p14:creationId xmlns:p14="http://schemas.microsoft.com/office/powerpoint/2010/main" val="1667539675"/>
+      </p:ext>
+    </p:extLst>
+  </p:cSld>
+  <p:clrMapOvr>
+    <a:masterClrMapping/>
+  </p:clrMapOvr>
+  <mc:AlternateContent xmlns:mc="http://schemas.openxmlformats.org/markup-compatibility/2006" xmlns:p14="http://schemas.microsoft.com/office/powerpoint/2010/main">
+    <mc:Choice Requires="p14">
+      <p:transition spd="med" p14:dur="700">
+        <p:fade/>
+      </p:transition>
+    </mc:Choice>
+    <mc:Fallback xmlns="">
+      <p:transition spd="med">
+        <p:fade/>
+      </p:transition>
+    </mc:Fallback>
+  </mc:AlternateContent>
+</p:sld>
+</file>
+
+<file path=ppt/slides/slide7.xml><?xml version="1.0" encoding="utf-8"?>
+<p:sld xmlns:a="http://schemas.openxmlformats.org/drawingml/2006/main" xmlns:r="http://schemas.openxmlformats.org/officeDocument/2006/relationships" xmlns:p="http://schemas.openxmlformats.org/presentationml/2006/main">
+  <p:cSld>
+    <p:spTree>
+      <p:nvGrpSpPr>
+        <p:cNvPr id="1" name=""/>
+        <p:cNvGrpSpPr/>
+        <p:nvPr/>
+      </p:nvGrpSpPr>
+      <p:grpSpPr>
+        <a:xfrm>
+          <a:off x="0" y="0"/>
+          <a:ext cx="0" cy="0"/>
+          <a:chOff x="0" y="0"/>
+          <a:chExt cx="0" cy="0"/>
+        </a:xfrm>
+      </p:grpSpPr>
+      <p:sp>
+        <p:nvSpPr>
+          <p:cNvPr id="2" name="Content Placeholder 1">
+            <a:extLst>
+              <a:ext uri="{FF2B5EF4-FFF2-40B4-BE49-F238E27FC236}">
+                <a16:creationId xmlns:a16="http://schemas.microsoft.com/office/drawing/2014/main" id="{D2D45C9C-6129-F752-2C70-AEFA818F1CB8}"/>
+              </a:ext>
+            </a:extLst>
+          </p:cNvPr>
+          <p:cNvSpPr>
+            <a:spLocks noGrp="1"/>
+          </p:cNvSpPr>
+          <p:nvPr>
+            <p:ph idx="1"/>
+          </p:nvPr>
+        </p:nvSpPr>
+        <p:spPr/>
+        <p:txBody>
+          <a:bodyPr vert="horz" lIns="91440" tIns="45720" rIns="91440" bIns="45720" rtlCol="0" anchor="t">
+            <a:normAutofit/>
+          </a:bodyPr>
+          <a:lstStyle/>
+          <a:p>
+            <a:pPr marL="0" indent="0">
+              <a:buNone/>
+            </a:pPr>
+            <a:r>
+              <a:rPr lang="en-US" dirty="0">
+                <a:solidFill>
+                  <a:schemeClr val="tx1"/>
+                </a:solidFill>
+                <a:latin typeface="Times New Roman"/>
+                <a:cs typeface="Arial"/>
+              </a:rPr>
+              <a:t>Download all data files from:</a:t>
+            </a:r>
+            <a:br>
+              <a:rPr lang="en-US" dirty="0">
+                <a:latin typeface="Arial"/>
+                <a:cs typeface="Arial"/>
+              </a:rPr>
+            </a:br>
+            <a:endParaRPr lang="en-US" dirty="0">
+              <a:latin typeface="Arial"/>
+              <a:cs typeface="Arial"/>
+            </a:endParaRPr>
+          </a:p>
+          <a:p>
+            <a:pPr marL="0" indent="0">
+              <a:buNone/>
+            </a:pPr>
+            <a:r>
+              <a:rPr lang="en-US" b="1" dirty="0">
+                <a:solidFill>
+                  <a:srgbClr val="FF0000"/>
+                </a:solidFill>
+              </a:rPr>
+              <a:t>https://</a:t>
+            </a:r>
+            <a:r>
+              <a:rPr lang="en-US" b="1" dirty="0" err="1">
+                <a:solidFill>
+                  <a:srgbClr val="FF0000"/>
+                </a:solidFill>
+              </a:rPr>
+              <a:t>github.com</a:t>
+            </a:r>
+            <a:r>
+              <a:rPr lang="en-US" b="1" dirty="0">
+                <a:solidFill>
+                  <a:srgbClr val="FF0000"/>
+                </a:solidFill>
+              </a:rPr>
+              <a:t>/</a:t>
+            </a:r>
+            <a:r>
+              <a:rPr lang="en-US" b="1" dirty="0" err="1">
+                <a:solidFill>
+                  <a:srgbClr val="FF0000"/>
+                </a:solidFill>
+              </a:rPr>
+              <a:t>ClaudiaECarroll</a:t>
+            </a:r>
+            <a:r>
+              <a:rPr lang="en-US" b="1" dirty="0">
+                <a:solidFill>
+                  <a:srgbClr val="FF0000"/>
+                </a:solidFill>
+              </a:rPr>
+              <a:t>/Fall_24_intro_python/tree/main/</a:t>
+            </a:r>
+            <a:r>
+              <a:rPr lang="en-US" b="1" dirty="0" err="1">
+                <a:solidFill>
+                  <a:srgbClr val="FF0000"/>
+                </a:solidFill>
+              </a:rPr>
+              <a:t>example_data</a:t>
+            </a:r>
+            <a:endParaRPr lang="en-US" b="1" dirty="0">
+              <a:solidFill>
+                <a:srgbClr val="FF0000"/>
+              </a:solidFill>
+            </a:endParaRPr>
+          </a:p>
+          <a:p>
+            <a:pPr marL="0" indent="0">
+              <a:buNone/>
+            </a:pPr>
+            <a:endParaRPr lang="en-US" b="1" dirty="0">
+              <a:solidFill>
+                <a:srgbClr val="FF0000"/>
+              </a:solidFill>
+            </a:endParaRPr>
+          </a:p>
+          <a:p>
+            <a:pPr marL="0" indent="0">
+              <a:buNone/>
+            </a:pPr>
+            <a:endParaRPr lang="en-US" b="1" dirty="0">
+              <a:solidFill>
+                <a:srgbClr val="FF0000"/>
+              </a:solidFill>
+            </a:endParaRPr>
+          </a:p>
+        </p:txBody>
+      </p:sp>
+      <p:sp>
+        <p:nvSpPr>
+          <p:cNvPr id="3" name="Title 2">
+            <a:extLst>
+              <a:ext uri="{FF2B5EF4-FFF2-40B4-BE49-F238E27FC236}">
+                <a16:creationId xmlns:a16="http://schemas.microsoft.com/office/drawing/2014/main" id="{5E582474-1F0E-8FB6-1E81-A56A550D7D49}"/>
+              </a:ext>
+            </a:extLst>
+          </p:cNvPr>
+          <p:cNvSpPr>
+            <a:spLocks noGrp="1"/>
+          </p:cNvSpPr>
+          <p:nvPr>
+            <p:ph type="title"/>
+          </p:nvPr>
+        </p:nvSpPr>
+        <p:spPr/>
+        <p:txBody>
+          <a:bodyPr/>
+          <a:lstStyle/>
+          <a:p>
+            <a:r>
+              <a:rPr lang="en-US" dirty="0">
+                <a:latin typeface="Times New Roman"/>
+                <a:cs typeface="Times New Roman"/>
+              </a:rPr>
+              <a:t>Example Data</a:t>
+            </a:r>
+            <a:endParaRPr lang="en-US" dirty="0"/>
+          </a:p>
+        </p:txBody>
+      </p:sp>
+    </p:spTree>
+    <p:extLst>
+      <p:ext uri="{BB962C8B-B14F-4D97-AF65-F5344CB8AC3E}">
+        <p14:creationId xmlns:p14="http://schemas.microsoft.com/office/powerpoint/2010/main" val="1647116308"/>
+      </p:ext>
+    </p:extLst>
+  </p:cSld>
+  <p:clrMapOvr>
+    <a:masterClrMapping/>
+  </p:clrMapOvr>
+  <mc:AlternateContent xmlns:mc="http://schemas.openxmlformats.org/markup-compatibility/2006" xmlns:p14="http://schemas.microsoft.com/office/powerpoint/2010/main">
+    <mc:Choice Requires="p14">
+      <p:transition spd="med" p14:dur="700">
+        <p:fade/>
+      </p:transition>
+    </mc:Choice>
+    <mc:Fallback xmlns="">
+      <p:transition spd="med">
+        <p:fade/>
+      </p:transition>
+    </mc:Fallback>
+  </mc:AlternateContent>
+</p:sld>
+</file>
+
+<file path=ppt/slides/slide8.xml><?xml version="1.0" encoding="utf-8"?>
+<p:sld xmlns:a="http://schemas.openxmlformats.org/drawingml/2006/main" xmlns:r="http://schemas.openxmlformats.org/officeDocument/2006/relationships" xmlns:p="http://schemas.openxmlformats.org/presentationml/2006/main">
+  <p:cSld>
+    <p:spTree>
+      <p:nvGrpSpPr>
+        <p:cNvPr id="1" name=""/>
+        <p:cNvGrpSpPr/>
+        <p:nvPr/>
+      </p:nvGrpSpPr>
+      <p:grpSpPr>
+        <a:xfrm>
+          <a:off x="0" y="0"/>
+          <a:ext cx="0" cy="0"/>
+          <a:chOff x="0" y="0"/>
+          <a:chExt cx="0" cy="0"/>
+        </a:xfrm>
+      </p:grpSpPr>
+      <p:sp>
+        <p:nvSpPr>
+          <p:cNvPr id="2" name="Title 1">
+            <a:extLst>
+              <a:ext uri="{FF2B5EF4-FFF2-40B4-BE49-F238E27FC236}">
+                <a16:creationId xmlns:a16="http://schemas.microsoft.com/office/drawing/2014/main" id="{EEB885C7-5C5F-4B4B-C306-9099591E7DB0}"/>
+              </a:ext>
+            </a:extLst>
+          </p:cNvPr>
+          <p:cNvSpPr>
+            <a:spLocks noGrp="1"/>
+          </p:cNvSpPr>
+          <p:nvPr>
+            <p:ph type="ctrTitle"/>
+          </p:nvPr>
+        </p:nvSpPr>
+        <p:spPr/>
+        <p:txBody>
+          <a:bodyPr/>
+          <a:lstStyle/>
+          <a:p>
+            <a:r>
+              <a:rPr lang="en-US" dirty="0">
+                <a:latin typeface="Times New Roman"/>
+                <a:cs typeface="Times New Roman"/>
+              </a:rPr>
+              <a:t>Demo One</a:t>
+            </a:r>
+            <a:endParaRPr lang="en-US" dirty="0"/>
+          </a:p>
+        </p:txBody>
+      </p:sp>
+      <p:sp>
+        <p:nvSpPr>
+          <p:cNvPr id="3" name="Subtitle 2">
+            <a:extLst>
+              <a:ext uri="{FF2B5EF4-FFF2-40B4-BE49-F238E27FC236}">
+                <a16:creationId xmlns:a16="http://schemas.microsoft.com/office/drawing/2014/main" id="{343E47E9-BB9C-DA18-0D9E-CAF15D0DDD3C}"/>
+              </a:ext>
+            </a:extLst>
+          </p:cNvPr>
+          <p:cNvSpPr>
+            <a:spLocks noGrp="1"/>
+          </p:cNvSpPr>
+          <p:nvPr>
+            <p:ph type="subTitle" idx="1"/>
+          </p:nvPr>
+        </p:nvSpPr>
+        <p:spPr>
+          <a:xfrm>
+            <a:off x="550733" y="3596777"/>
+            <a:ext cx="4987877" cy="1064292"/>
+          </a:xfrm>
+        </p:spPr>
+        <p:txBody>
+          <a:bodyPr vert="horz" lIns="91440" tIns="45720" rIns="91440" bIns="45720" rtlCol="0" anchor="t">
+            <a:normAutofit/>
+          </a:bodyPr>
+          <a:lstStyle/>
+          <a:p>
+            <a:r>
+              <a:rPr lang="en-US" dirty="0">
+                <a:latin typeface="Times New Roman"/>
+                <a:cs typeface="Times New Roman"/>
+              </a:rPr>
+              <a:t>Opening, reading and writing text files</a:t>
+            </a:r>
+          </a:p>
+        </p:txBody>
+      </p:sp>
+    </p:spTree>
+    <p:extLst>
+      <p:ext uri="{BB962C8B-B14F-4D97-AF65-F5344CB8AC3E}">
+        <p14:creationId xmlns:p14="http://schemas.microsoft.com/office/powerpoint/2010/main" val="345653242"/>
       </p:ext>
     </p:extLst>
   </p:cSld>
@@ -5061,19 +5672,85 @@
           </a:bodyPr>
           <a:lstStyle/>
           <a:p>
+            <a:pPr marL="457200" indent="-457200">
+              <a:buFont typeface="+mj-lt"/>
+              <a:buAutoNum type="arabicPeriod"/>
+            </a:pPr>
+            <a:r>
+              <a:rPr lang="en-US" sz="3200" dirty="0">
+                <a:solidFill>
+                  <a:srgbClr val="000000"/>
+                </a:solidFill>
+                <a:latin typeface="Times New Roman"/>
+                <a:cs typeface="Times New Roman"/>
+              </a:rPr>
+              <a:t>Write the code to count the approximate number of words in the file </a:t>
+            </a:r>
+            <a:r>
+              <a:rPr lang="en-US" sz="3200" dirty="0" err="1">
+                <a:solidFill>
+                  <a:srgbClr val="000000"/>
+                </a:solidFill>
+                <a:latin typeface="Times New Roman"/>
+                <a:cs typeface="Times New Roman"/>
+              </a:rPr>
+              <a:t>austen_pride.txt</a:t>
+            </a:r>
+            <a:endParaRPr lang="en-US" sz="3200" dirty="0">
+              <a:solidFill>
+                <a:srgbClr val="000000"/>
+              </a:solidFill>
+              <a:latin typeface="Times New Roman"/>
+              <a:cs typeface="Times New Roman"/>
+            </a:endParaRPr>
+          </a:p>
+          <a:p>
+            <a:pPr marL="457200" indent="-457200">
+              <a:buFont typeface="+mj-lt"/>
+              <a:buAutoNum type="arabicPeriod"/>
+            </a:pPr>
+            <a:r>
+              <a:rPr lang="en-US" sz="3200" dirty="0">
+                <a:solidFill>
+                  <a:srgbClr val="000000"/>
+                </a:solidFill>
+                <a:latin typeface="Times New Roman"/>
+                <a:cs typeface="Times New Roman"/>
+              </a:rPr>
+              <a:t>Create a new text file called “</a:t>
+            </a:r>
+            <a:r>
+              <a:rPr lang="en-US" sz="3200" dirty="0" err="1">
+                <a:solidFill>
+                  <a:srgbClr val="000000"/>
+                </a:solidFill>
+                <a:latin typeface="Times New Roman"/>
+                <a:cs typeface="Times New Roman"/>
+              </a:rPr>
+              <a:t>python.txt</a:t>
+            </a:r>
+            <a:r>
+              <a:rPr lang="en-US" sz="3200" dirty="0">
+                <a:solidFill>
+                  <a:srgbClr val="000000"/>
+                </a:solidFill>
+                <a:latin typeface="Times New Roman"/>
+                <a:cs typeface="Times New Roman"/>
+              </a:rPr>
+              <a:t>” that contains the text “I am almost finished my first python class!”)</a:t>
+            </a:r>
+          </a:p>
+          <a:p>
             <a:pPr marL="0" indent="0">
               <a:buNone/>
             </a:pPr>
-            <a:r>
-              <a:rPr lang="en-US" sz="2400" dirty="0">
-                <a:solidFill>
-                  <a:srgbClr val="000000"/>
-                </a:solidFill>
-                <a:latin typeface="Times New Roman"/>
-                <a:cs typeface="Times New Roman"/>
-              </a:rPr>
-              <a:t>Write the code to count the approximate number of words in the file austen_pride.txt</a:t>
-            </a:r>
+            <a:endParaRPr lang="en-US" sz="3200" dirty="0">
+              <a:solidFill>
+                <a:srgbClr val="000000"/>
+              </a:solidFill>
+              <a:latin typeface="Times New Roman"/>
+              <a:cs typeface="Times New Roman"/>
+            </a:endParaRPr>
           </a:p>
           <a:p>
             <a:pPr marL="0" indent="0">
@@ -5086,130 +5763,6 @@
               <a:latin typeface="Times New Roman"/>
               <a:cs typeface="Times New Roman"/>
             </a:endParaRPr>
-          </a:p>
-          <a:p>
-            <a:pPr marL="0" indent="0">
-              <a:buNone/>
-            </a:pPr>
-            <a:r>
-              <a:rPr lang="en-US" sz="1800" dirty="0">
-                <a:solidFill>
-                  <a:srgbClr val="000000"/>
-                </a:solidFill>
-                <a:latin typeface="Menlo"/>
-                <a:cs typeface="Times New Roman"/>
-              </a:rPr>
-              <a:t>file = open("austen_pride.txt", mode="r", encoding="utf-8")</a:t>
-            </a:r>
-          </a:p>
-          <a:p>
-            <a:pPr marL="0" indent="0">
-              <a:buNone/>
-            </a:pPr>
-            <a:r>
-              <a:rPr lang="en-US" sz="1800" dirty="0">
-                <a:solidFill>
-                  <a:srgbClr val="000000"/>
-                </a:solidFill>
-                <a:latin typeface="Menlo"/>
-                <a:cs typeface="Times New Roman"/>
-              </a:rPr>
-              <a:t>text = </a:t>
-            </a:r>
-            <a:r>
-              <a:rPr lang="en-US" sz="1800" dirty="0" err="1">
-                <a:solidFill>
-                  <a:srgbClr val="000000"/>
-                </a:solidFill>
-                <a:latin typeface="Menlo"/>
-                <a:cs typeface="Times New Roman"/>
-              </a:rPr>
-              <a:t>file.read</a:t>
-            </a:r>
-            <a:r>
-              <a:rPr lang="en-US" sz="1800" dirty="0">
-                <a:solidFill>
-                  <a:srgbClr val="000000"/>
-                </a:solidFill>
-                <a:latin typeface="Menlo"/>
-                <a:cs typeface="Times New Roman"/>
-              </a:rPr>
-              <a:t>()</a:t>
-            </a:r>
-          </a:p>
-          <a:p>
-            <a:pPr marL="0" indent="0">
-              <a:buNone/>
-            </a:pPr>
-            <a:r>
-              <a:rPr lang="en-US" sz="1800" dirty="0">
-                <a:solidFill>
-                  <a:srgbClr val="000000"/>
-                </a:solidFill>
-                <a:latin typeface="Menlo"/>
-                <a:cs typeface="Times New Roman"/>
-              </a:rPr>
-              <a:t>words = </a:t>
-            </a:r>
-            <a:r>
-              <a:rPr lang="en-US" sz="1800" dirty="0" err="1">
-                <a:solidFill>
-                  <a:srgbClr val="000000"/>
-                </a:solidFill>
-                <a:latin typeface="Menlo"/>
-                <a:cs typeface="Times New Roman"/>
-              </a:rPr>
-              <a:t>text.split</a:t>
-            </a:r>
-            <a:r>
-              <a:rPr lang="en-US" sz="1800" dirty="0">
-                <a:solidFill>
-                  <a:srgbClr val="000000"/>
-                </a:solidFill>
-                <a:latin typeface="Menlo"/>
-                <a:cs typeface="Times New Roman"/>
-              </a:rPr>
-              <a:t>()</a:t>
-            </a:r>
-            <a:endParaRPr lang="en-US" sz="1800">
-              <a:latin typeface="Menlo"/>
-              <a:cs typeface="Arial"/>
-            </a:endParaRPr>
-          </a:p>
-          <a:p>
-            <a:pPr marL="0" indent="0">
-              <a:buNone/>
-            </a:pPr>
-            <a:r>
-              <a:rPr lang="en-US" sz="1800" dirty="0">
-                <a:solidFill>
-                  <a:srgbClr val="000000"/>
-                </a:solidFill>
-                <a:latin typeface="Menlo"/>
-                <a:cs typeface="Times New Roman"/>
-              </a:rPr>
-              <a:t>print(</a:t>
-            </a:r>
-            <a:r>
-              <a:rPr lang="en-US" sz="1800" dirty="0" err="1">
-                <a:solidFill>
-                  <a:srgbClr val="000000"/>
-                </a:solidFill>
-                <a:latin typeface="Menlo"/>
-                <a:cs typeface="Times New Roman"/>
-              </a:rPr>
-              <a:t>len</a:t>
-            </a:r>
-            <a:r>
-              <a:rPr lang="en-US" sz="1800" dirty="0">
-                <a:solidFill>
-                  <a:srgbClr val="000000"/>
-                </a:solidFill>
-                <a:latin typeface="Menlo"/>
-                <a:cs typeface="Times New Roman"/>
-              </a:rPr>
-              <a:t>(words))</a:t>
-            </a:r>
           </a:p>
         </p:txBody>
       </p:sp>
@@ -5243,7 +5796,7 @@
                 <a:latin typeface="Times New Roman"/>
                 <a:cs typeface="Times New Roman"/>
               </a:rPr>
-              <a:t>Exercise One Part One</a:t>
+              <a:t>Exercise One</a:t>
             </a:r>
             <a:endParaRPr lang="en-US" dirty="0">
               <a:solidFill>
@@ -5256,20 +5809,20 @@
     </p:spTree>
     <p:extLst>
       <p:ext uri="{BB962C8B-B14F-4D97-AF65-F5344CB8AC3E}">
-        <p14:creationId xmlns:p14="http://schemas.microsoft.com/office/powerpoint/2010/main" val="2157317710"/>
+        <p14:creationId xmlns:p14="http://schemas.microsoft.com/office/powerpoint/2010/main" val="870332998"/>
       </p:ext>
     </p:extLst>
   </p:cSld>
   <p:clrMapOvr>
     <a:masterClrMapping/>
   </p:clrMapOvr>
-  <mc:AlternateContent xmlns:mc="http://schemas.openxmlformats.org/markup-compatibility/2006" xmlns:p14="http://schemas.microsoft.com/office/powerpoint/2010/main">
-    <mc:Choice Requires="p14">
+  <mc:AlternateContent xmlns:mc="http://schemas.openxmlformats.org/markup-compatibility/2006">
+    <mc:Choice xmlns:p14="http://schemas.microsoft.com/office/powerpoint/2010/main" Requires="p14">
       <p:transition spd="med" p14:dur="700">
         <p:fade/>
       </p:transition>
     </mc:Choice>
-    <mc:Fallback xmlns="">
+    <mc:Fallback>
       <p:transition spd="med">
         <p:fade/>
       </p:transition>
